--- a/jsp_ppt/웹(Web) 애플리케이션 배포하기.pptx
+++ b/jsp_ppt/웹(Web) 애플리케이션 배포하기.pptx
@@ -5,7 +5,7 @@
     <p:sldMasterId id="2147483648" r:id="rId1"/>
   </p:sldMasterIdLst>
   <p:notesMasterIdLst>
-    <p:notesMasterId r:id="rId10"/>
+    <p:notesMasterId r:id="rId12"/>
   </p:notesMasterIdLst>
   <p:sldIdLst>
     <p:sldId id="256" r:id="rId2"/>
@@ -13,9 +13,11 @@
     <p:sldId id="380" r:id="rId4"/>
     <p:sldId id="386" r:id="rId5"/>
     <p:sldId id="387" r:id="rId6"/>
-    <p:sldId id="381" r:id="rId7"/>
-    <p:sldId id="382" r:id="rId8"/>
-    <p:sldId id="388" r:id="rId9"/>
+    <p:sldId id="389" r:id="rId7"/>
+    <p:sldId id="390" r:id="rId8"/>
+    <p:sldId id="381" r:id="rId9"/>
+    <p:sldId id="382" r:id="rId10"/>
+    <p:sldId id="388" r:id="rId11"/>
   </p:sldIdLst>
   <p:sldSz cx="9906000" cy="6858000" type="A4"/>
   <p:notesSz cx="6858000" cy="9144000"/>
@@ -116,7 +118,7 @@
   </p:defaultTextStyle>
   <p:extLst>
     <p:ext uri="{EFAFB233-063F-42B5-8137-9DF3F51BA10A}">
-      <p15:sldGuideLst xmlns:p15="http://schemas.microsoft.com/office/powerpoint/2012/main" xmlns="">
+      <p15:sldGuideLst xmlns:p15="http://schemas.microsoft.com/office/powerpoint/2012/main">
         <p15:guide id="1" orient="horz" pos="2160">
           <p15:clr>
             <a:srgbClr val="A4A3A4"/>
@@ -1099,11 +1101,7 @@
           <a:pPr latinLnBrk="1"/>
           <a:r>
             <a:rPr lang="en-US" altLang="ko-KR" sz="1600" dirty="0" smtClean="0"/>
-            <a:t>lib </a:t>
-          </a:r>
-          <a:r>
-            <a:rPr lang="en-US" altLang="ko-KR" sz="1600" dirty="0" smtClean="0"/>
-            <a:t>– .jar</a:t>
+            <a:t>lib – .jar</a:t>
           </a:r>
           <a:endParaRPr lang="ko-KR" altLang="en-US" sz="1600" dirty="0"/>
         </a:p>
@@ -1588,6 +1586,14 @@
     <dgm:pt modelId="{8C6BBF7E-D541-48B6-A05C-5E448E0859FB}" type="pres">
       <dgm:prSet presAssocID="{DDA3A5B0-D56C-44D2-942E-6E127B7BDAB3}" presName="Name37" presStyleLbl="parChTrans1D3" presStyleIdx="3" presStyleCnt="4"/>
       <dgm:spPr/>
+      <dgm:t>
+        <a:bodyPr/>
+        <a:lstStyle/>
+        <a:p>
+          <a:pPr latinLnBrk="1"/>
+          <a:endParaRPr lang="ko-KR" altLang="en-US"/>
+        </a:p>
+      </dgm:t>
     </dgm:pt>
     <dgm:pt modelId="{3551F944-6F22-434E-AE38-5F5B56B14E7C}" type="pres">
       <dgm:prSet presAssocID="{6105CC12-C314-4DDC-A2F4-3299CD4C0AA1}" presName="hierRoot2" presStyleCnt="0">
@@ -1608,10 +1614,26 @@
         </dgm:presLayoutVars>
       </dgm:prSet>
       <dgm:spPr/>
+      <dgm:t>
+        <a:bodyPr/>
+        <a:lstStyle/>
+        <a:p>
+          <a:pPr latinLnBrk="1"/>
+          <a:endParaRPr lang="ko-KR" altLang="en-US"/>
+        </a:p>
+      </dgm:t>
     </dgm:pt>
     <dgm:pt modelId="{EF4E259C-943D-4B04-B5F2-F0EF59FD65A5}" type="pres">
       <dgm:prSet presAssocID="{6105CC12-C314-4DDC-A2F4-3299CD4C0AA1}" presName="rootConnector" presStyleLbl="node3" presStyleIdx="3" presStyleCnt="4"/>
       <dgm:spPr/>
+      <dgm:t>
+        <a:bodyPr/>
+        <a:lstStyle/>
+        <a:p>
+          <a:pPr latinLnBrk="1"/>
+          <a:endParaRPr lang="ko-KR" altLang="en-US"/>
+        </a:p>
+      </dgm:t>
     </dgm:pt>
     <dgm:pt modelId="{C0626B2E-B47A-4DD3-B354-9AD9B0E16DA9}" type="pres">
       <dgm:prSet presAssocID="{6105CC12-C314-4DDC-A2F4-3299CD4C0AA1}" presName="hierChild4" presStyleCnt="0"/>
@@ -1691,34 +1713,34 @@
     </dgm:pt>
   </dgm:ptLst>
   <dgm:cxnLst>
-    <dgm:cxn modelId="{3F3FB744-8FC2-4334-8DE8-98013A75890A}" srcId="{47692D71-9985-4D8B-A898-6C357650D629}" destId="{FFD41460-BC34-4DA7-94BF-2A45BF0F4870}" srcOrd="0" destOrd="0" parTransId="{454297E2-3A1C-4487-BE18-1042684A20B0}" sibTransId="{370E9DF5-18E1-4A9F-8F81-B1FC86C258CA}"/>
-    <dgm:cxn modelId="{B0187391-A5CC-41AF-A7FD-743D3FFA92F1}" type="presOf" srcId="{F28F8446-48CE-4DB4-9A5C-13B752E1F3CB}" destId="{CCB72642-3470-4C05-8B1A-CB31C40AC54C}" srcOrd="0" destOrd="0" presId="urn:microsoft.com/office/officeart/2005/8/layout/orgChart1"/>
-    <dgm:cxn modelId="{62CB2E8F-83C4-44C5-AC9C-4CEE0FA62897}" type="presOf" srcId="{626593FD-6604-4DBE-8876-1023CED99D12}" destId="{F14310BF-C233-4DA8-9198-8AC214227F2E}" srcOrd="0" destOrd="0" presId="urn:microsoft.com/office/officeart/2005/8/layout/orgChart1"/>
-    <dgm:cxn modelId="{5D38F252-4EDF-4F7C-B137-70D74387FBC1}" type="presOf" srcId="{1910E1A9-9C41-4476-93A2-A05B9985CC90}" destId="{0F7B8E6E-7A2E-41AE-9535-4C9C79F86430}" srcOrd="1" destOrd="0" presId="urn:microsoft.com/office/officeart/2005/8/layout/orgChart1"/>
-    <dgm:cxn modelId="{C37EF390-4078-4424-9B83-EFDE1111D500}" type="presOf" srcId="{47692D71-9985-4D8B-A898-6C357650D629}" destId="{1AEFF6FC-734B-44AB-ACCE-36332457EFCC}" srcOrd="1" destOrd="0" presId="urn:microsoft.com/office/officeart/2005/8/layout/orgChart1"/>
-    <dgm:cxn modelId="{EC1BC144-6881-440C-8758-691F6762C3CA}" type="presOf" srcId="{6105CC12-C314-4DDC-A2F4-3299CD4C0AA1}" destId="{F079E5E0-14CE-4B82-A88D-AFF0996BFEC9}" srcOrd="0" destOrd="0" presId="urn:microsoft.com/office/officeart/2005/8/layout/orgChart1"/>
-    <dgm:cxn modelId="{1D2C804F-E49B-4983-AD2D-BC4513D81041}" type="presOf" srcId="{464044A9-C851-4F44-9EC8-32F0B06B59F3}" destId="{9653A17B-7C3A-4C59-8358-963F1651FDAD}" srcOrd="1" destOrd="0" presId="urn:microsoft.com/office/officeart/2005/8/layout/orgChart1"/>
-    <dgm:cxn modelId="{314FE366-C8F5-4969-B20C-8C130E950D6E}" type="presOf" srcId="{CE04A591-B76C-426A-91DD-B3E76DCBE29A}" destId="{44F098B6-75C4-4D70-B663-9ACAB0A90217}" srcOrd="1" destOrd="0" presId="urn:microsoft.com/office/officeart/2005/8/layout/orgChart1"/>
-    <dgm:cxn modelId="{9971A420-32B6-44B6-A6A1-CBBE4BE25F0A}" type="presOf" srcId="{6105CC12-C314-4DDC-A2F4-3299CD4C0AA1}" destId="{EF4E259C-943D-4B04-B5F2-F0EF59FD65A5}" srcOrd="1" destOrd="0" presId="urn:microsoft.com/office/officeart/2005/8/layout/orgChart1"/>
-    <dgm:cxn modelId="{50F8AED9-AF3B-4B5E-8313-CBBED4CC8917}" srcId="{FFD41460-BC34-4DA7-94BF-2A45BF0F4870}" destId="{464044A9-C851-4F44-9EC8-32F0B06B59F3}" srcOrd="1" destOrd="0" parTransId="{03675B73-1758-4D5C-AA10-CB031698BD91}" sibTransId="{7BB29E75-AFC8-4720-978D-ADB6C097BBDA}"/>
-    <dgm:cxn modelId="{AA9FB1B9-B6D4-4038-9A8F-C57A959E924D}" type="presOf" srcId="{CE04A591-B76C-426A-91DD-B3E76DCBE29A}" destId="{1DE63406-DDFD-4F1A-8746-D3E2CDC2135A}" srcOrd="0" destOrd="0" presId="urn:microsoft.com/office/officeart/2005/8/layout/orgChart1"/>
-    <dgm:cxn modelId="{779136BB-4534-4064-8969-0CF088D601F5}" type="presOf" srcId="{03675B73-1758-4D5C-AA10-CB031698BD91}" destId="{F709A41F-38A3-4761-A302-79116E03A13A}" srcOrd="0" destOrd="0" presId="urn:microsoft.com/office/officeart/2005/8/layout/orgChart1"/>
-    <dgm:cxn modelId="{F285EB5B-9CCB-4513-AC77-2F43E37CB23D}" type="presOf" srcId="{464044A9-C851-4F44-9EC8-32F0B06B59F3}" destId="{755C2786-8217-44B0-8F05-C0E61C81FD45}" srcOrd="0" destOrd="0" presId="urn:microsoft.com/office/officeart/2005/8/layout/orgChart1"/>
-    <dgm:cxn modelId="{35A1172B-8039-4CD1-85EC-61CEAD4B1C60}" type="presOf" srcId="{1910E1A9-9C41-4476-93A2-A05B9985CC90}" destId="{C2D2DF51-6AB8-4564-9416-1906E5FF0A3D}" srcOrd="0" destOrd="0" presId="urn:microsoft.com/office/officeart/2005/8/layout/orgChart1"/>
-    <dgm:cxn modelId="{36ECF1FD-958F-431E-B56B-3EB791EC8CD9}" type="presOf" srcId="{153AD5B9-39DF-4197-A96E-4CF4259093A4}" destId="{47F2C1EA-81D5-4271-B8D1-C2CD7BD5ADF8}" srcOrd="0" destOrd="0" presId="urn:microsoft.com/office/officeart/2005/8/layout/orgChart1"/>
-    <dgm:cxn modelId="{E38A88A5-C696-4078-8116-47C5558566ED}" type="presOf" srcId="{47692D71-9985-4D8B-A898-6C357650D629}" destId="{EB68C214-CBD7-4837-B5D0-7D2D02E2D0B8}" srcOrd="0" destOrd="0" presId="urn:microsoft.com/office/officeart/2005/8/layout/orgChart1"/>
-    <dgm:cxn modelId="{BB245486-9FD6-40FF-BAF2-10954F0EC9F4}" type="presOf" srcId="{F28F8446-48CE-4DB4-9A5C-13B752E1F3CB}" destId="{34A7AADC-EE3E-4C3A-84B3-7000F8A60D1D}" srcOrd="1" destOrd="0" presId="urn:microsoft.com/office/officeart/2005/8/layout/orgChart1"/>
-    <dgm:cxn modelId="{D851F32B-FD41-4FFE-A762-268E30C1BD6A}" srcId="{FFD41460-BC34-4DA7-94BF-2A45BF0F4870}" destId="{6105CC12-C314-4DDC-A2F4-3299CD4C0AA1}" srcOrd="3" destOrd="0" parTransId="{DDA3A5B0-D56C-44D2-942E-6E127B7BDAB3}" sibTransId="{799B1737-C6D9-4C7C-B664-23FBD4245497}"/>
-    <dgm:cxn modelId="{9F6A8CEC-2E28-4A52-A815-129A8811962E}" srcId="{2BB8D94D-2E5B-4010-BDF0-80DA34AE7007}" destId="{47692D71-9985-4D8B-A898-6C357650D629}" srcOrd="0" destOrd="0" parTransId="{371B86B6-0488-4023-948F-B06D97676332}" sibTransId="{D562295B-D7FA-4F9E-9A52-8F177514A85B}"/>
-    <dgm:cxn modelId="{54D2C8FC-EFE1-45EA-B374-9176E2D77105}" type="presOf" srcId="{FFD41460-BC34-4DA7-94BF-2A45BF0F4870}" destId="{B5196A69-80B0-4C37-B640-3E52FE2ACDB6}" srcOrd="0" destOrd="0" presId="urn:microsoft.com/office/officeart/2005/8/layout/orgChart1"/>
-    <dgm:cxn modelId="{ACEF7BF3-ADB2-44BD-AB57-238C8B59FE29}" type="presOf" srcId="{2BB8D94D-2E5B-4010-BDF0-80DA34AE7007}" destId="{22F8248C-9E49-4629-B2C8-60F1CBB4E22A}" srcOrd="0" destOrd="0" presId="urn:microsoft.com/office/officeart/2005/8/layout/orgChart1"/>
     <dgm:cxn modelId="{11FF48C6-F296-4227-BA30-BE0550BB6AA0}" type="presOf" srcId="{FFD41460-BC34-4DA7-94BF-2A45BF0F4870}" destId="{3930B0F3-87F0-4320-8E45-B1B792843DB8}" srcOrd="1" destOrd="0" presId="urn:microsoft.com/office/officeart/2005/8/layout/orgChart1"/>
     <dgm:cxn modelId="{D090C293-DDB9-4DED-A93A-F735514BB63F}" type="presOf" srcId="{454297E2-3A1C-4487-BE18-1042684A20B0}" destId="{29FBC2E9-F9F8-4ABF-8083-DC1C5D5EE76D}" srcOrd="0" destOrd="0" presId="urn:microsoft.com/office/officeart/2005/8/layout/orgChart1"/>
+    <dgm:cxn modelId="{9F6A8CEC-2E28-4A52-A815-129A8811962E}" srcId="{2BB8D94D-2E5B-4010-BDF0-80DA34AE7007}" destId="{47692D71-9985-4D8B-A898-6C357650D629}" srcOrd="0" destOrd="0" parTransId="{371B86B6-0488-4023-948F-B06D97676332}" sibTransId="{D562295B-D7FA-4F9E-9A52-8F177514A85B}"/>
+    <dgm:cxn modelId="{4959F545-6540-49DF-975F-F7A432AB2663}" srcId="{FFD41460-BC34-4DA7-94BF-2A45BF0F4870}" destId="{CE04A591-B76C-426A-91DD-B3E76DCBE29A}" srcOrd="2" destOrd="0" parTransId="{153AD5B9-39DF-4197-A96E-4CF4259093A4}" sibTransId="{86F8835A-709D-4381-B5F6-02E4F95ADFB0}"/>
+    <dgm:cxn modelId="{C37EF390-4078-4424-9B83-EFDE1111D500}" type="presOf" srcId="{47692D71-9985-4D8B-A898-6C357650D629}" destId="{1AEFF6FC-734B-44AB-ACCE-36332457EFCC}" srcOrd="1" destOrd="0" presId="urn:microsoft.com/office/officeart/2005/8/layout/orgChart1"/>
+    <dgm:cxn modelId="{5D38F252-4EDF-4F7C-B137-70D74387FBC1}" type="presOf" srcId="{1910E1A9-9C41-4476-93A2-A05B9985CC90}" destId="{0F7B8E6E-7A2E-41AE-9535-4C9C79F86430}" srcOrd="1" destOrd="0" presId="urn:microsoft.com/office/officeart/2005/8/layout/orgChart1"/>
+    <dgm:cxn modelId="{F285EB5B-9CCB-4513-AC77-2F43E37CB23D}" type="presOf" srcId="{464044A9-C851-4F44-9EC8-32F0B06B59F3}" destId="{755C2786-8217-44B0-8F05-C0E61C81FD45}" srcOrd="0" destOrd="0" presId="urn:microsoft.com/office/officeart/2005/8/layout/orgChart1"/>
+    <dgm:cxn modelId="{1D2C804F-E49B-4983-AD2D-BC4513D81041}" type="presOf" srcId="{464044A9-C851-4F44-9EC8-32F0B06B59F3}" destId="{9653A17B-7C3A-4C59-8358-963F1651FDAD}" srcOrd="1" destOrd="0" presId="urn:microsoft.com/office/officeart/2005/8/layout/orgChart1"/>
+    <dgm:cxn modelId="{F22CC3C8-59BC-4ECD-A53D-4DE6134BE667}" type="presOf" srcId="{DDA3A5B0-D56C-44D2-942E-6E127B7BDAB3}" destId="{8C6BBF7E-D541-48B6-A05C-5E448E0859FB}" srcOrd="0" destOrd="0" presId="urn:microsoft.com/office/officeart/2005/8/layout/orgChart1"/>
+    <dgm:cxn modelId="{E38A88A5-C696-4078-8116-47C5558566ED}" type="presOf" srcId="{47692D71-9985-4D8B-A898-6C357650D629}" destId="{EB68C214-CBD7-4837-B5D0-7D2D02E2D0B8}" srcOrd="0" destOrd="0" presId="urn:microsoft.com/office/officeart/2005/8/layout/orgChart1"/>
+    <dgm:cxn modelId="{62CB2E8F-83C4-44C5-AC9C-4CEE0FA62897}" type="presOf" srcId="{626593FD-6604-4DBE-8876-1023CED99D12}" destId="{F14310BF-C233-4DA8-9198-8AC214227F2E}" srcOrd="0" destOrd="0" presId="urn:microsoft.com/office/officeart/2005/8/layout/orgChart1"/>
+    <dgm:cxn modelId="{779136BB-4534-4064-8969-0CF088D601F5}" type="presOf" srcId="{03675B73-1758-4D5C-AA10-CB031698BD91}" destId="{F709A41F-38A3-4761-A302-79116E03A13A}" srcOrd="0" destOrd="0" presId="urn:microsoft.com/office/officeart/2005/8/layout/orgChart1"/>
+    <dgm:cxn modelId="{AA9FB1B9-B6D4-4038-9A8F-C57A959E924D}" type="presOf" srcId="{CE04A591-B76C-426A-91DD-B3E76DCBE29A}" destId="{1DE63406-DDFD-4F1A-8746-D3E2CDC2135A}" srcOrd="0" destOrd="0" presId="urn:microsoft.com/office/officeart/2005/8/layout/orgChart1"/>
+    <dgm:cxn modelId="{ACEF7BF3-ADB2-44BD-AB57-238C8B59FE29}" type="presOf" srcId="{2BB8D94D-2E5B-4010-BDF0-80DA34AE7007}" destId="{22F8248C-9E49-4629-B2C8-60F1CBB4E22A}" srcOrd="0" destOrd="0" presId="urn:microsoft.com/office/officeart/2005/8/layout/orgChart1"/>
+    <dgm:cxn modelId="{54D2C8FC-EFE1-45EA-B374-9176E2D77105}" type="presOf" srcId="{FFD41460-BC34-4DA7-94BF-2A45BF0F4870}" destId="{B5196A69-80B0-4C37-B640-3E52FE2ACDB6}" srcOrd="0" destOrd="0" presId="urn:microsoft.com/office/officeart/2005/8/layout/orgChart1"/>
+    <dgm:cxn modelId="{35A1172B-8039-4CD1-85EC-61CEAD4B1C60}" type="presOf" srcId="{1910E1A9-9C41-4476-93A2-A05B9985CC90}" destId="{C2D2DF51-6AB8-4564-9416-1906E5FF0A3D}" srcOrd="0" destOrd="0" presId="urn:microsoft.com/office/officeart/2005/8/layout/orgChart1"/>
+    <dgm:cxn modelId="{9971A420-32B6-44B6-A6A1-CBBE4BE25F0A}" type="presOf" srcId="{6105CC12-C314-4DDC-A2F4-3299CD4C0AA1}" destId="{EF4E259C-943D-4B04-B5F2-F0EF59FD65A5}" srcOrd="1" destOrd="0" presId="urn:microsoft.com/office/officeart/2005/8/layout/orgChart1"/>
+    <dgm:cxn modelId="{B0187391-A5CC-41AF-A7FD-743D3FFA92F1}" type="presOf" srcId="{F28F8446-48CE-4DB4-9A5C-13B752E1F3CB}" destId="{CCB72642-3470-4C05-8B1A-CB31C40AC54C}" srcOrd="0" destOrd="0" presId="urn:microsoft.com/office/officeart/2005/8/layout/orgChart1"/>
+    <dgm:cxn modelId="{EC1BC144-6881-440C-8758-691F6762C3CA}" type="presOf" srcId="{6105CC12-C314-4DDC-A2F4-3299CD4C0AA1}" destId="{F079E5E0-14CE-4B82-A88D-AFF0996BFEC9}" srcOrd="0" destOrd="0" presId="urn:microsoft.com/office/officeart/2005/8/layout/orgChart1"/>
+    <dgm:cxn modelId="{314FE366-C8F5-4969-B20C-8C130E950D6E}" type="presOf" srcId="{CE04A591-B76C-426A-91DD-B3E76DCBE29A}" destId="{44F098B6-75C4-4D70-B663-9ACAB0A90217}" srcOrd="1" destOrd="0" presId="urn:microsoft.com/office/officeart/2005/8/layout/orgChart1"/>
+    <dgm:cxn modelId="{BB245486-9FD6-40FF-BAF2-10954F0EC9F4}" type="presOf" srcId="{F28F8446-48CE-4DB4-9A5C-13B752E1F3CB}" destId="{34A7AADC-EE3E-4C3A-84B3-7000F8A60D1D}" srcOrd="1" destOrd="0" presId="urn:microsoft.com/office/officeart/2005/8/layout/orgChart1"/>
+    <dgm:cxn modelId="{50F8AED9-AF3B-4B5E-8313-CBBED4CC8917}" srcId="{FFD41460-BC34-4DA7-94BF-2A45BF0F4870}" destId="{464044A9-C851-4F44-9EC8-32F0B06B59F3}" srcOrd="1" destOrd="0" parTransId="{03675B73-1758-4D5C-AA10-CB031698BD91}" sibTransId="{7BB29E75-AFC8-4720-978D-ADB6C097BBDA}"/>
     <dgm:cxn modelId="{9E5E387D-4F76-4B85-AA87-A29B26D767F0}" srcId="{47692D71-9985-4D8B-A898-6C357650D629}" destId="{F28F8446-48CE-4DB4-9A5C-13B752E1F3CB}" srcOrd="1" destOrd="0" parTransId="{608AA319-948E-405F-887B-742DA54BB3AF}" sibTransId="{DFF6BF82-8CEA-49EB-A958-3B98035F64C4}"/>
+    <dgm:cxn modelId="{36ECF1FD-958F-431E-B56B-3EB791EC8CD9}" type="presOf" srcId="{153AD5B9-39DF-4197-A96E-4CF4259093A4}" destId="{47F2C1EA-81D5-4271-B8D1-C2CD7BD5ADF8}" srcOrd="0" destOrd="0" presId="urn:microsoft.com/office/officeart/2005/8/layout/orgChart1"/>
+    <dgm:cxn modelId="{C400D624-819C-45DA-885D-E0F8C8614D70}" srcId="{FFD41460-BC34-4DA7-94BF-2A45BF0F4870}" destId="{1910E1A9-9C41-4476-93A2-A05B9985CC90}" srcOrd="0" destOrd="0" parTransId="{626593FD-6604-4DBE-8876-1023CED99D12}" sibTransId="{70D84443-B143-4C6F-8DE4-B42350E99308}"/>
     <dgm:cxn modelId="{BBEEF72F-E434-4808-B404-42BFC17A1693}" type="presOf" srcId="{608AA319-948E-405F-887B-742DA54BB3AF}" destId="{84E07688-6D49-455E-9E13-179A661767F7}" srcOrd="0" destOrd="0" presId="urn:microsoft.com/office/officeart/2005/8/layout/orgChart1"/>
-    <dgm:cxn modelId="{4959F545-6540-49DF-975F-F7A432AB2663}" srcId="{FFD41460-BC34-4DA7-94BF-2A45BF0F4870}" destId="{CE04A591-B76C-426A-91DD-B3E76DCBE29A}" srcOrd="2" destOrd="0" parTransId="{153AD5B9-39DF-4197-A96E-4CF4259093A4}" sibTransId="{86F8835A-709D-4381-B5F6-02E4F95ADFB0}"/>
-    <dgm:cxn modelId="{C400D624-819C-45DA-885D-E0F8C8614D70}" srcId="{FFD41460-BC34-4DA7-94BF-2A45BF0F4870}" destId="{1910E1A9-9C41-4476-93A2-A05B9985CC90}" srcOrd="0" destOrd="0" parTransId="{626593FD-6604-4DBE-8876-1023CED99D12}" sibTransId="{70D84443-B143-4C6F-8DE4-B42350E99308}"/>
-    <dgm:cxn modelId="{F22CC3C8-59BC-4ECD-A53D-4DE6134BE667}" type="presOf" srcId="{DDA3A5B0-D56C-44D2-942E-6E127B7BDAB3}" destId="{8C6BBF7E-D541-48B6-A05C-5E448E0859FB}" srcOrd="0" destOrd="0" presId="urn:microsoft.com/office/officeart/2005/8/layout/orgChart1"/>
+    <dgm:cxn modelId="{D851F32B-FD41-4FFE-A762-268E30C1BD6A}" srcId="{FFD41460-BC34-4DA7-94BF-2A45BF0F4870}" destId="{6105CC12-C314-4DDC-A2F4-3299CD4C0AA1}" srcOrd="3" destOrd="0" parTransId="{DDA3A5B0-D56C-44D2-942E-6E127B7BDAB3}" sibTransId="{799B1737-C6D9-4C7C-B664-23FBD4245497}"/>
+    <dgm:cxn modelId="{3F3FB744-8FC2-4334-8DE8-98013A75890A}" srcId="{47692D71-9985-4D8B-A898-6C357650D629}" destId="{FFD41460-BC34-4DA7-94BF-2A45BF0F4870}" srcOrd="0" destOrd="0" parTransId="{454297E2-3A1C-4487-BE18-1042684A20B0}" sibTransId="{370E9DF5-18E1-4A9F-8F81-B1FC86C258CA}"/>
     <dgm:cxn modelId="{5C1F6238-9C94-489A-BD12-E523B0BD63D8}" type="presParOf" srcId="{22F8248C-9E49-4629-B2C8-60F1CBB4E22A}" destId="{33A1AE15-C7FA-4D74-8E61-481B965F5CB9}" srcOrd="0" destOrd="0" presId="urn:microsoft.com/office/officeart/2005/8/layout/orgChart1"/>
     <dgm:cxn modelId="{0ED0158C-9DD3-42A4-A68C-A272BAD8E0A9}" type="presParOf" srcId="{33A1AE15-C7FA-4D74-8E61-481B965F5CB9}" destId="{B02E505C-4F90-4CCF-98D5-03158B41D6A9}" srcOrd="0" destOrd="0" presId="urn:microsoft.com/office/officeart/2005/8/layout/orgChart1"/>
     <dgm:cxn modelId="{889DB810-73E4-4F45-9847-2527CF4E54C1}" type="presParOf" srcId="{B02E505C-4F90-4CCF-98D5-03158B41D6A9}" destId="{EB68C214-CBD7-4837-B5D0-7D2D02E2D0B8}" srcOrd="0" destOrd="0" presId="urn:microsoft.com/office/officeart/2005/8/layout/orgChart1"/>
@@ -2432,11 +2454,7 @@
           </a:pPr>
           <a:r>
             <a:rPr lang="en-US" altLang="ko-KR" sz="1600" kern="1200" dirty="0" smtClean="0"/>
-            <a:t>lib </a:t>
-          </a:r>
-          <a:r>
-            <a:rPr lang="en-US" altLang="ko-KR" sz="1600" kern="1200" dirty="0" smtClean="0"/>
-            <a:t>– .jar</a:t>
+            <a:t>lib – .jar</a:t>
           </a:r>
           <a:endParaRPr lang="ko-KR" altLang="en-US" sz="1600" kern="1200" dirty="0"/>
         </a:p>
@@ -4978,7 +4996,7 @@
           <a:p>
             <a:fld id="{7665CDAC-D627-4E87-877A-1B781DD4CADC}" type="datetimeFigureOut">
               <a:rPr lang="ko-KR" altLang="en-US" smtClean="0"/>
-              <a:t>2022-09-03</a:t>
+              <a:t>2023-07-23</a:t>
             </a:fld>
             <a:endParaRPr lang="ko-KR" altLang="en-US"/>
           </a:p>
@@ -5516,7 +5534,7 @@
           <a:p>
             <a:fld id="{F4AC81B4-D91A-4578-85B3-829E63FCFE17}" type="datetime1">
               <a:rPr lang="ko-KR" altLang="en-US" smtClean="0"/>
-              <a:t>2022-09-03</a:t>
+              <a:t>2023-07-23</a:t>
             </a:fld>
             <a:endParaRPr lang="ko-KR" altLang="en-US"/>
           </a:p>
@@ -5891,7 +5909,7 @@
           <a:p>
             <a:fld id="{F5B77542-37E5-48F2-BAE7-80CC6B0EB6A3}" type="datetime1">
               <a:rPr lang="ko-KR" altLang="en-US" smtClean="0"/>
-              <a:t>2022-09-03</a:t>
+              <a:t>2023-07-23</a:t>
             </a:fld>
             <a:endParaRPr lang="ko-KR" altLang="en-US"/>
           </a:p>
@@ -6071,7 +6089,7 @@
           <a:p>
             <a:fld id="{227CF174-B5AC-4A98-B673-0BE8126D3F27}" type="datetime1">
               <a:rPr lang="ko-KR" altLang="en-US" smtClean="0"/>
-              <a:t>2022-09-03</a:t>
+              <a:t>2023-07-23</a:t>
             </a:fld>
             <a:endParaRPr lang="ko-KR" altLang="en-US"/>
           </a:p>
@@ -6245,7 +6263,7 @@
           <a:p>
             <a:fld id="{E20FDEC8-1339-42E8-9704-2977280C2FD3}" type="datetime1">
               <a:rPr lang="ko-KR" altLang="en-US" smtClean="0"/>
-              <a:t>2022-09-03</a:t>
+              <a:t>2023-07-23</a:t>
             </a:fld>
             <a:endParaRPr lang="ko-KR" altLang="en-US"/>
           </a:p>
@@ -6491,7 +6509,7 @@
           <a:p>
             <a:fld id="{4D18DC76-A282-4817-B790-197F054E1215}" type="datetime1">
               <a:rPr lang="ko-KR" altLang="en-US" smtClean="0"/>
-              <a:t>2022-09-03</a:t>
+              <a:t>2023-07-23</a:t>
             </a:fld>
             <a:endParaRPr lang="ko-KR" altLang="en-US"/>
           </a:p>
@@ -6779,7 +6797,7 @@
           <a:p>
             <a:fld id="{6680AA6C-13D8-43E4-90F0-E6C88A2B9F16}" type="datetime1">
               <a:rPr lang="ko-KR" altLang="en-US" smtClean="0"/>
-              <a:t>2022-09-03</a:t>
+              <a:t>2023-07-23</a:t>
             </a:fld>
             <a:endParaRPr lang="ko-KR" altLang="en-US"/>
           </a:p>
@@ -7201,7 +7219,7 @@
           <a:p>
             <a:fld id="{3EF5B03B-20CC-436E-8601-C933C6C1F4A6}" type="datetime1">
               <a:rPr lang="ko-KR" altLang="en-US" smtClean="0"/>
-              <a:t>2022-09-03</a:t>
+              <a:t>2023-07-23</a:t>
             </a:fld>
             <a:endParaRPr lang="ko-KR" altLang="en-US"/>
           </a:p>
@@ -7319,7 +7337,7 @@
           <a:p>
             <a:fld id="{87B5A15D-8B08-482F-AB47-E416EC355EB6}" type="datetime1">
               <a:rPr lang="ko-KR" altLang="en-US" smtClean="0"/>
-              <a:t>2022-09-03</a:t>
+              <a:t>2023-07-23</a:t>
             </a:fld>
             <a:endParaRPr lang="ko-KR" altLang="en-US"/>
           </a:p>
@@ -7414,7 +7432,7 @@
           <a:p>
             <a:fld id="{A877D7F8-7B64-44F8-A411-CBD22F28CBFF}" type="datetime1">
               <a:rPr lang="ko-KR" altLang="en-US" smtClean="0"/>
-              <a:t>2022-09-03</a:t>
+              <a:t>2023-07-23</a:t>
             </a:fld>
             <a:endParaRPr lang="ko-KR" altLang="en-US"/>
           </a:p>
@@ -7691,7 +7709,7 @@
           <a:p>
             <a:fld id="{E12DBD9B-2BB6-4D1F-BCB4-1E48829C93C3}" type="datetime1">
               <a:rPr lang="ko-KR" altLang="en-US" smtClean="0"/>
-              <a:t>2022-09-03</a:t>
+              <a:t>2023-07-23</a:t>
             </a:fld>
             <a:endParaRPr lang="ko-KR" altLang="en-US"/>
           </a:p>
@@ -7944,7 +7962,7 @@
           <a:p>
             <a:fld id="{17564C48-0CD7-40EB-BE64-BBF4DB8C56AF}" type="datetime1">
               <a:rPr lang="ko-KR" altLang="en-US" smtClean="0"/>
-              <a:t>2022-09-03</a:t>
+              <a:t>2023-07-23</a:t>
             </a:fld>
             <a:endParaRPr lang="ko-KR" altLang="en-US"/>
           </a:p>
@@ -8124,7 +8142,7 @@
           <a:p>
             <a:fld id="{C116BCB4-B68B-4638-8167-F4BDC0A30DA1}" type="datetime1">
               <a:rPr lang="ko-KR" altLang="en-US" smtClean="0"/>
-              <a:t>2022-09-03</a:t>
+              <a:t>2023-07-23</a:t>
             </a:fld>
             <a:endParaRPr lang="ko-KR" altLang="en-US"/>
           </a:p>
@@ -8863,6 +8881,336 @@
 </p:sld>
 </file>
 
+<file path=ppt/slides/slide10.xml><?xml version="1.0" encoding="utf-8"?>
+<p:sld xmlns:a="http://schemas.openxmlformats.org/drawingml/2006/main" xmlns:r="http://schemas.openxmlformats.org/officeDocument/2006/relationships" xmlns:p="http://schemas.openxmlformats.org/presentationml/2006/main">
+  <p:cSld>
+    <p:spTree>
+      <p:nvGrpSpPr>
+        <p:cNvPr id="1" name=""/>
+        <p:cNvGrpSpPr/>
+        <p:nvPr/>
+      </p:nvGrpSpPr>
+      <p:grpSpPr>
+        <a:xfrm>
+          <a:off x="0" y="0"/>
+          <a:ext cx="0" cy="0"/>
+          <a:chOff x="0" y="0"/>
+          <a:chExt cx="0" cy="0"/>
+        </a:xfrm>
+      </p:grpSpPr>
+      <p:sp>
+        <p:nvSpPr>
+          <p:cNvPr id="3" name="제목 2"/>
+          <p:cNvSpPr>
+            <a:spLocks noGrp="1"/>
+          </p:cNvSpPr>
+          <p:nvPr>
+            <p:ph type="title"/>
+          </p:nvPr>
+        </p:nvSpPr>
+        <p:spPr>
+          <a:xfrm>
+            <a:off x="0" y="-18256"/>
+            <a:ext cx="6969224" cy="854968"/>
+          </a:xfrm>
+        </p:spPr>
+        <p:txBody>
+          <a:bodyPr/>
+          <a:lstStyle/>
+          <a:p>
+            <a:r>
+              <a:rPr lang="en-US" altLang="ko-KR" dirty="0" smtClean="0"/>
+              <a:t> </a:t>
+            </a:r>
+            <a:r>
+              <a:rPr lang="ko-KR" altLang="en-US" dirty="0"/>
+              <a:t> </a:t>
+            </a:r>
+            <a:r>
+              <a:rPr lang="ko-KR" altLang="en-US" dirty="0" smtClean="0"/>
+              <a:t>웹 애플리케이션 서비스하기</a:t>
+            </a:r>
+            <a:endParaRPr lang="ko-KR" altLang="en-US" dirty="0"/>
+          </a:p>
+        </p:txBody>
+      </p:sp>
+      <p:sp>
+        <p:nvSpPr>
+          <p:cNvPr id="4" name="내용 개체 틀 2">
+            <a:extLst>
+              <a:ext uri="{FF2B5EF4-FFF2-40B4-BE49-F238E27FC236}">
+                <a16:creationId xmlns:a16="http://schemas.microsoft.com/office/drawing/2014/main" id="{2BF5621B-67C3-4A25-A1B1-779ADAACC6F7}"/>
+              </a:ext>
+            </a:extLst>
+          </p:cNvPr>
+          <p:cNvSpPr txBox="1">
+            <a:spLocks/>
+          </p:cNvSpPr>
+          <p:nvPr/>
+        </p:nvSpPr>
+        <p:spPr>
+          <a:xfrm>
+            <a:off x="632520" y="1088740"/>
+            <a:ext cx="7272808" cy="540060"/>
+          </a:xfrm>
+          <a:prstGeom prst="rect">
+            <a:avLst/>
+          </a:prstGeom>
+        </p:spPr>
+        <p:txBody>
+          <a:bodyPr/>
+          <a:lstStyle>
+            <a:lvl1pPr marL="228600" indent="-228600" algn="l" defTabSz="914400" rtl="0" eaLnBrk="1" latinLnBrk="1" hangingPunct="1">
+              <a:lnSpc>
+                <a:spcPct val="90000"/>
+              </a:lnSpc>
+              <a:spcBef>
+                <a:spcPts val="1000"/>
+              </a:spcBef>
+              <a:buFont typeface="Arial" panose="020B0604020202020204" pitchFamily="34" charset="0"/>
+              <a:buChar char="•"/>
+              <a:defRPr sz="2800" kern="1200">
+                <a:solidFill>
+                  <a:schemeClr val="tx1"/>
+                </a:solidFill>
+                <a:latin typeface="+mn-lt"/>
+                <a:ea typeface="+mn-ea"/>
+                <a:cs typeface="+mn-cs"/>
+              </a:defRPr>
+            </a:lvl1pPr>
+            <a:lvl2pPr marL="685800" indent="-228600" algn="l" defTabSz="914400" rtl="0" eaLnBrk="1" latinLnBrk="1" hangingPunct="1">
+              <a:lnSpc>
+                <a:spcPct val="90000"/>
+              </a:lnSpc>
+              <a:spcBef>
+                <a:spcPts val="500"/>
+              </a:spcBef>
+              <a:buFont typeface="Arial" panose="020B0604020202020204" pitchFamily="34" charset="0"/>
+              <a:buChar char="•"/>
+              <a:defRPr sz="2400" kern="1200">
+                <a:solidFill>
+                  <a:schemeClr val="tx1"/>
+                </a:solidFill>
+                <a:latin typeface="+mn-lt"/>
+                <a:ea typeface="+mn-ea"/>
+                <a:cs typeface="+mn-cs"/>
+              </a:defRPr>
+            </a:lvl2pPr>
+            <a:lvl3pPr marL="1143000" indent="-228600" algn="l" defTabSz="914400" rtl="0" eaLnBrk="1" latinLnBrk="1" hangingPunct="1">
+              <a:lnSpc>
+                <a:spcPct val="90000"/>
+              </a:lnSpc>
+              <a:spcBef>
+                <a:spcPts val="500"/>
+              </a:spcBef>
+              <a:buFont typeface="Arial" panose="020B0604020202020204" pitchFamily="34" charset="0"/>
+              <a:buChar char="•"/>
+              <a:defRPr sz="2000" kern="1200">
+                <a:solidFill>
+                  <a:schemeClr val="tx1"/>
+                </a:solidFill>
+                <a:latin typeface="+mn-lt"/>
+                <a:ea typeface="+mn-ea"/>
+                <a:cs typeface="+mn-cs"/>
+              </a:defRPr>
+            </a:lvl3pPr>
+            <a:lvl4pPr marL="1600200" indent="-228600" algn="l" defTabSz="914400" rtl="0" eaLnBrk="1" latinLnBrk="1" hangingPunct="1">
+              <a:lnSpc>
+                <a:spcPct val="90000"/>
+              </a:lnSpc>
+              <a:spcBef>
+                <a:spcPts val="500"/>
+              </a:spcBef>
+              <a:buFont typeface="Arial" panose="020B0604020202020204" pitchFamily="34" charset="0"/>
+              <a:buChar char="•"/>
+              <a:defRPr sz="1800" kern="1200">
+                <a:solidFill>
+                  <a:schemeClr val="tx1"/>
+                </a:solidFill>
+                <a:latin typeface="+mn-lt"/>
+                <a:ea typeface="+mn-ea"/>
+                <a:cs typeface="+mn-cs"/>
+              </a:defRPr>
+            </a:lvl4pPr>
+            <a:lvl5pPr marL="2057400" indent="-228600" algn="l" defTabSz="914400" rtl="0" eaLnBrk="1" latinLnBrk="1" hangingPunct="1">
+              <a:lnSpc>
+                <a:spcPct val="90000"/>
+              </a:lnSpc>
+              <a:spcBef>
+                <a:spcPts val="500"/>
+              </a:spcBef>
+              <a:buFont typeface="Arial" panose="020B0604020202020204" pitchFamily="34" charset="0"/>
+              <a:buChar char="•"/>
+              <a:defRPr sz="1800" kern="1200">
+                <a:solidFill>
+                  <a:schemeClr val="tx1"/>
+                </a:solidFill>
+                <a:latin typeface="+mn-lt"/>
+                <a:ea typeface="+mn-ea"/>
+                <a:cs typeface="+mn-cs"/>
+              </a:defRPr>
+            </a:lvl5pPr>
+            <a:lvl6pPr marL="2514600" indent="-228600" algn="l" defTabSz="914400" rtl="0" eaLnBrk="1" latinLnBrk="1" hangingPunct="1">
+              <a:lnSpc>
+                <a:spcPct val="90000"/>
+              </a:lnSpc>
+              <a:spcBef>
+                <a:spcPts val="500"/>
+              </a:spcBef>
+              <a:buFont typeface="Arial" panose="020B0604020202020204" pitchFamily="34" charset="0"/>
+              <a:buChar char="•"/>
+              <a:defRPr sz="1800" kern="1200">
+                <a:solidFill>
+                  <a:schemeClr val="tx1"/>
+                </a:solidFill>
+                <a:latin typeface="+mn-lt"/>
+                <a:ea typeface="+mn-ea"/>
+                <a:cs typeface="+mn-cs"/>
+              </a:defRPr>
+            </a:lvl6pPr>
+            <a:lvl7pPr marL="2971800" indent="-228600" algn="l" defTabSz="914400" rtl="0" eaLnBrk="1" latinLnBrk="1" hangingPunct="1">
+              <a:lnSpc>
+                <a:spcPct val="90000"/>
+              </a:lnSpc>
+              <a:spcBef>
+                <a:spcPts val="500"/>
+              </a:spcBef>
+              <a:buFont typeface="Arial" panose="020B0604020202020204" pitchFamily="34" charset="0"/>
+              <a:buChar char="•"/>
+              <a:defRPr sz="1800" kern="1200">
+                <a:solidFill>
+                  <a:schemeClr val="tx1"/>
+                </a:solidFill>
+                <a:latin typeface="+mn-lt"/>
+                <a:ea typeface="+mn-ea"/>
+                <a:cs typeface="+mn-cs"/>
+              </a:defRPr>
+            </a:lvl7pPr>
+            <a:lvl8pPr marL="3429000" indent="-228600" algn="l" defTabSz="914400" rtl="0" eaLnBrk="1" latinLnBrk="1" hangingPunct="1">
+              <a:lnSpc>
+                <a:spcPct val="90000"/>
+              </a:lnSpc>
+              <a:spcBef>
+                <a:spcPts val="500"/>
+              </a:spcBef>
+              <a:buFont typeface="Arial" panose="020B0604020202020204" pitchFamily="34" charset="0"/>
+              <a:buChar char="•"/>
+              <a:defRPr sz="1800" kern="1200">
+                <a:solidFill>
+                  <a:schemeClr val="tx1"/>
+                </a:solidFill>
+                <a:latin typeface="+mn-lt"/>
+                <a:ea typeface="+mn-ea"/>
+                <a:cs typeface="+mn-cs"/>
+              </a:defRPr>
+            </a:lvl8pPr>
+            <a:lvl9pPr marL="3886200" indent="-228600" algn="l" defTabSz="914400" rtl="0" eaLnBrk="1" latinLnBrk="1" hangingPunct="1">
+              <a:lnSpc>
+                <a:spcPct val="90000"/>
+              </a:lnSpc>
+              <a:spcBef>
+                <a:spcPts val="500"/>
+              </a:spcBef>
+              <a:buFont typeface="Arial" panose="020B0604020202020204" pitchFamily="34" charset="0"/>
+              <a:buChar char="•"/>
+              <a:defRPr sz="1800" kern="1200">
+                <a:solidFill>
+                  <a:schemeClr val="tx1"/>
+                </a:solidFill>
+                <a:latin typeface="+mn-lt"/>
+                <a:ea typeface="+mn-ea"/>
+                <a:cs typeface="+mn-cs"/>
+              </a:defRPr>
+            </a:lvl9pPr>
+          </a:lstStyle>
+          <a:p>
+            <a:pPr marL="0" indent="0">
+              <a:lnSpc>
+                <a:spcPct val="150000"/>
+              </a:lnSpc>
+              <a:buNone/>
+            </a:pPr>
+            <a:r>
+              <a:rPr lang="ko-KR" altLang="en-US" sz="2000" b="1" dirty="0" smtClean="0"/>
+              <a:t> 웹 브라우저에 요청 </a:t>
+            </a:r>
+            <a:r>
+              <a:rPr lang="en-US" altLang="ko-KR" sz="2000" b="1" dirty="0" smtClean="0"/>
+              <a:t>– </a:t>
+            </a:r>
+            <a:r>
+              <a:rPr lang="en-US" altLang="ko-KR" sz="2000" b="1" dirty="0" smtClean="0"/>
+              <a:t>localhost:8080(2~3</a:t>
+            </a:r>
+            <a:r>
+              <a:rPr lang="ko-KR" altLang="en-US" sz="2000" b="1" dirty="0" smtClean="0"/>
+              <a:t>번 정도 시도</a:t>
+            </a:r>
+            <a:r>
+              <a:rPr lang="en-US" altLang="ko-KR" sz="2000" b="1" dirty="0" smtClean="0"/>
+              <a:t>)</a:t>
+            </a:r>
+            <a:endParaRPr lang="en-US" altLang="ko-KR" sz="2000" b="1" dirty="0" smtClean="0"/>
+          </a:p>
+        </p:txBody>
+      </p:sp>
+      <p:pic>
+        <p:nvPicPr>
+          <p:cNvPr id="5" name="그림 4"/>
+          <p:cNvPicPr>
+            <a:picLocks noChangeAspect="1"/>
+          </p:cNvPicPr>
+          <p:nvPr/>
+        </p:nvPicPr>
+        <p:blipFill>
+          <a:blip r:embed="rId2">
+            <a:extLst>
+              <a:ext uri="{28A0092B-C50C-407E-A947-70E740481C1C}">
+                <a14:useLocalDpi xmlns:a14="http://schemas.microsoft.com/office/drawing/2010/main" val="0"/>
+              </a:ext>
+            </a:extLst>
+          </a:blip>
+          <a:stretch>
+            <a:fillRect/>
+          </a:stretch>
+        </p:blipFill>
+        <p:spPr>
+          <a:xfrm>
+            <a:off x="1496616" y="1772816"/>
+            <a:ext cx="6235812" cy="4385626"/>
+          </a:xfrm>
+          <a:prstGeom prst="rect">
+            <a:avLst/>
+          </a:prstGeom>
+          <a:ln>
+            <a:solidFill>
+              <a:schemeClr val="bg1">
+                <a:lumMod val="85000"/>
+              </a:schemeClr>
+            </a:solidFill>
+          </a:ln>
+        </p:spPr>
+      </p:pic>
+    </p:spTree>
+    <p:extLst>
+      <p:ext uri="{BB962C8B-B14F-4D97-AF65-F5344CB8AC3E}">
+        <p14:creationId xmlns:p14="http://schemas.microsoft.com/office/powerpoint/2010/main" val="1133202773"/>
+      </p:ext>
+    </p:extLst>
+  </p:cSld>
+  <p:clrMapOvr>
+    <a:masterClrMapping/>
+  </p:clrMapOvr>
+  <p:timing>
+    <p:tnLst>
+      <p:par>
+        <p:cTn id="1" dur="indefinite" restart="never" nodeType="tmRoot"/>
+      </p:par>
+    </p:tnLst>
+  </p:timing>
+</p:sld>
+</file>
+
 <file path=ppt/slides/slide2.xml><?xml version="1.0" encoding="utf-8"?>
 <p:sld xmlns:a="http://schemas.openxmlformats.org/drawingml/2006/main" xmlns:r="http://schemas.openxmlformats.org/officeDocument/2006/relationships" xmlns:p="http://schemas.openxmlformats.org/presentationml/2006/main">
   <p:cSld>
@@ -8921,7 +9269,7 @@
           <p:cNvPr id="4" name="내용 개체 틀 2">
             <a:extLst>
               <a:ext uri="{FF2B5EF4-FFF2-40B4-BE49-F238E27FC236}">
-                <a16:creationId xmlns="" xmlns:a16="http://schemas.microsoft.com/office/drawing/2014/main" id="{2BF5621B-67C3-4A25-A1B1-779ADAACC6F7}"/>
+                <a16:creationId xmlns:a16="http://schemas.microsoft.com/office/drawing/2014/main" id="{2BF5621B-67C3-4A25-A1B1-779ADAACC6F7}"/>
               </a:ext>
             </a:extLst>
           </p:cNvPr>
@@ -9224,7 +9572,7 @@
           <p:cNvPr id="4" name="내용 개체 틀 2">
             <a:extLst>
               <a:ext uri="{FF2B5EF4-FFF2-40B4-BE49-F238E27FC236}">
-                <a16:creationId xmlns="" xmlns:a16="http://schemas.microsoft.com/office/drawing/2014/main" id="{2BF5621B-67C3-4A25-A1B1-779ADAACC6F7}"/>
+                <a16:creationId xmlns:a16="http://schemas.microsoft.com/office/drawing/2014/main" id="{2BF5621B-67C3-4A25-A1B1-779ADAACC6F7}"/>
               </a:ext>
             </a:extLst>
           </p:cNvPr>
@@ -9780,7 +10128,7 @@
           <p:cNvPr id="4" name="내용 개체 틀 2">
             <a:extLst>
               <a:ext uri="{FF2B5EF4-FFF2-40B4-BE49-F238E27FC236}">
-                <a16:creationId xmlns="" xmlns:a16="http://schemas.microsoft.com/office/drawing/2014/main" id="{2BF5621B-67C3-4A25-A1B1-779ADAACC6F7}"/>
+                <a16:creationId xmlns:a16="http://schemas.microsoft.com/office/drawing/2014/main" id="{2BF5621B-67C3-4A25-A1B1-779ADAACC6F7}"/>
               </a:ext>
             </a:extLst>
           </p:cNvPr>
@@ -10080,15 +10428,7 @@
             </a:r>
             <a:r>
               <a:rPr lang="en-US" altLang="ko-KR" sz="1600" dirty="0" smtClean="0"/>
-              <a:t> &gt; Export &gt; </a:t>
-            </a:r>
-            <a:r>
-              <a:rPr lang="en-US" altLang="ko-KR" sz="1600" dirty="0" smtClean="0"/>
-              <a:t>Web &gt;WAR </a:t>
-            </a:r>
-            <a:r>
-              <a:rPr lang="en-US" altLang="ko-KR" sz="1600" dirty="0" smtClean="0"/>
-              <a:t>file</a:t>
+              <a:t> &gt; Export &gt; Web &gt;WAR file</a:t>
             </a:r>
             <a:endParaRPr lang="ko-KR" altLang="en-US" sz="1600" dirty="0"/>
           </a:p>
@@ -10310,7 +10650,7 @@
         </p:nvSpPr>
         <p:spPr>
           <a:xfrm>
-            <a:off x="1064568" y="4386590"/>
+            <a:off x="1081944" y="4012336"/>
             <a:ext cx="3384376" cy="338554"/>
           </a:xfrm>
           <a:prstGeom prst="rect">
@@ -10326,11 +10666,7 @@
           <a:p>
             <a:r>
               <a:rPr lang="en-US" altLang="ko-KR" sz="1600" dirty="0" smtClean="0"/>
-              <a:t>server.xml </a:t>
-            </a:r>
-            <a:r>
-              <a:rPr lang="en-US" altLang="ko-KR" sz="1600" dirty="0" smtClean="0"/>
-              <a:t>– </a:t>
+              <a:t>server.xml – </a:t>
             </a:r>
             <a:r>
               <a:rPr lang="en-US" altLang="ko-KR" sz="1600" dirty="0" smtClean="0">
@@ -10364,43 +10700,6 @@
           </a:p>
         </p:txBody>
       </p:sp>
-      <p:pic>
-        <p:nvPicPr>
-          <p:cNvPr id="2" name="그림 1"/>
-          <p:cNvPicPr>
-            <a:picLocks noChangeAspect="1"/>
-          </p:cNvPicPr>
-          <p:nvPr/>
-        </p:nvPicPr>
-        <p:blipFill>
-          <a:blip r:embed="rId2">
-            <a:extLst>
-              <a:ext uri="{28A0092B-C50C-407E-A947-70E740481C1C}">
-                <a14:useLocalDpi xmlns:a14="http://schemas.microsoft.com/office/drawing/2010/main" val="0"/>
-              </a:ext>
-            </a:extLst>
-          </a:blip>
-          <a:stretch>
-            <a:fillRect/>
-          </a:stretch>
-        </p:blipFill>
-        <p:spPr>
-          <a:xfrm>
-            <a:off x="4880991" y="2362252"/>
-            <a:ext cx="4115157" cy="2126164"/>
-          </a:xfrm>
-          <a:prstGeom prst="rect">
-            <a:avLst/>
-          </a:prstGeom>
-          <a:ln>
-            <a:solidFill>
-              <a:schemeClr val="bg1">
-                <a:lumMod val="85000"/>
-              </a:schemeClr>
-            </a:solidFill>
-          </a:ln>
-        </p:spPr>
-      </p:pic>
       <p:sp>
         <p:nvSpPr>
           <p:cNvPr id="8" name="TextBox 7"/>
@@ -10409,8 +10708,8 @@
         </p:nvSpPr>
         <p:spPr>
           <a:xfrm>
-            <a:off x="1064568" y="3738518"/>
-            <a:ext cx="2808312" cy="338554"/>
+            <a:off x="1079848" y="2125246"/>
+            <a:ext cx="6177408" cy="369332"/>
           </a:xfrm>
           <a:prstGeom prst="rect">
             <a:avLst/>
@@ -10424,113 +10723,47 @@
           <a:lstStyle/>
           <a:p>
             <a:r>
-              <a:rPr lang="en-US" altLang="ko-KR" sz="1600" dirty="0" smtClean="0"/>
+              <a:rPr lang="en-US" altLang="ko-KR" dirty="0" smtClean="0"/>
+              <a:t>1. </a:t>
+            </a:r>
+            <a:r>
+              <a:rPr lang="ko-KR" altLang="en-US" dirty="0" smtClean="0"/>
+              <a:t>프로젝트 안에 </a:t>
+            </a:r>
+            <a:r>
+              <a:rPr lang="en-US" altLang="ko-KR" dirty="0" smtClean="0"/>
               <a:t>war </a:t>
             </a:r>
             <a:r>
-              <a:rPr lang="ko-KR" altLang="en-US" sz="1600" dirty="0" smtClean="0"/>
+              <a:rPr lang="ko-KR" altLang="en-US" dirty="0" smtClean="0"/>
               <a:t>파일</a:t>
             </a:r>
             <a:r>
-              <a:rPr lang="en-US" altLang="ko-KR" sz="1600" dirty="0"/>
+              <a:rPr lang="en-US" altLang="ko-KR" dirty="0"/>
               <a:t> </a:t>
             </a:r>
             <a:r>
-              <a:rPr lang="ko-KR" altLang="en-US" sz="1600" dirty="0" smtClean="0"/>
+              <a:rPr lang="ko-KR" altLang="en-US" dirty="0" smtClean="0"/>
               <a:t>및 </a:t>
             </a:r>
             <a:r>
-              <a:rPr lang="en-US" altLang="ko-KR" sz="1600" dirty="0" smtClean="0"/>
+              <a:rPr lang="en-US" altLang="ko-KR" dirty="0" smtClean="0"/>
               <a:t>server.xml </a:t>
             </a:r>
             <a:r>
-              <a:rPr lang="ko-KR" altLang="en-US" sz="1600" dirty="0" smtClean="0"/>
+              <a:rPr lang="ko-KR" altLang="en-US" dirty="0" smtClean="0"/>
               <a:t>저장</a:t>
             </a:r>
-            <a:endParaRPr lang="en-US" altLang="ko-KR" sz="1600" dirty="0" smtClean="0"/>
+            <a:endParaRPr lang="en-US" altLang="ko-KR" dirty="0" smtClean="0"/>
           </a:p>
         </p:txBody>
       </p:sp>
-      <p:pic>
-        <p:nvPicPr>
-          <p:cNvPr id="9" name="그림 8"/>
-          <p:cNvPicPr>
-            <a:picLocks noChangeAspect="1"/>
-          </p:cNvPicPr>
-          <p:nvPr/>
-        </p:nvPicPr>
-        <p:blipFill>
-          <a:blip r:embed="rId3">
-            <a:extLst>
-              <a:ext uri="{28A0092B-C50C-407E-A947-70E740481C1C}">
-                <a14:useLocalDpi xmlns:a14="http://schemas.microsoft.com/office/drawing/2010/main" val="0"/>
-              </a:ext>
-            </a:extLst>
-          </a:blip>
-          <a:stretch>
-            <a:fillRect/>
-          </a:stretch>
-        </p:blipFill>
-        <p:spPr>
-          <a:xfrm>
-            <a:off x="1091339" y="2261752"/>
-            <a:ext cx="2781541" cy="1348857"/>
-          </a:xfrm>
-          <a:prstGeom prst="rect">
-            <a:avLst/>
-          </a:prstGeom>
-          <a:ln>
-            <a:solidFill>
-              <a:schemeClr val="bg1">
-                <a:lumMod val="85000"/>
-              </a:schemeClr>
-            </a:solidFill>
-          </a:ln>
-        </p:spPr>
-      </p:pic>
-      <p:pic>
-        <p:nvPicPr>
-          <p:cNvPr id="5" name="그림 4"/>
-          <p:cNvPicPr>
-            <a:picLocks noChangeAspect="1"/>
-          </p:cNvPicPr>
-          <p:nvPr/>
-        </p:nvPicPr>
-        <p:blipFill>
-          <a:blip r:embed="rId4">
-            <a:extLst>
-              <a:ext uri="{28A0092B-C50C-407E-A947-70E740481C1C}">
-                <a14:useLocalDpi xmlns:a14="http://schemas.microsoft.com/office/drawing/2010/main" val="0"/>
-              </a:ext>
-            </a:extLst>
-          </a:blip>
-          <a:stretch>
-            <a:fillRect/>
-          </a:stretch>
-        </p:blipFill>
-        <p:spPr>
-          <a:xfrm>
-            <a:off x="1064568" y="4871345"/>
-            <a:ext cx="8192210" cy="1005927"/>
-          </a:xfrm>
-          <a:prstGeom prst="rect">
-            <a:avLst/>
-          </a:prstGeom>
-          <a:ln>
-            <a:solidFill>
-              <a:schemeClr val="bg1">
-                <a:lumMod val="85000"/>
-              </a:schemeClr>
-            </a:solidFill>
-          </a:ln>
-        </p:spPr>
-      </p:pic>
       <p:sp>
         <p:nvSpPr>
           <p:cNvPr id="10" name="내용 개체 틀 2">
             <a:extLst>
               <a:ext uri="{FF2B5EF4-FFF2-40B4-BE49-F238E27FC236}">
-                <a16:creationId xmlns="" xmlns:a16="http://schemas.microsoft.com/office/drawing/2014/main" id="{2BF5621B-67C3-4A25-A1B1-779ADAACC6F7}"/>
+                <a16:creationId xmlns:a16="http://schemas.microsoft.com/office/drawing/2014/main" id="{2BF5621B-67C3-4A25-A1B1-779ADAACC6F7}"/>
               </a:ext>
             </a:extLst>
           </p:cNvPr>
@@ -10727,11 +10960,7 @@
             </a:r>
             <a:r>
               <a:rPr lang="ko-KR" altLang="en-US" sz="2000" b="1" dirty="0" smtClean="0"/>
-              <a:t> </a:t>
-            </a:r>
-            <a:r>
-              <a:rPr lang="ko-KR" altLang="en-US" sz="2000" b="1" dirty="0" smtClean="0"/>
-              <a:t>운영 서버</a:t>
+              <a:t> 운영 서버</a:t>
             </a:r>
             <a:endParaRPr lang="en-US" altLang="ko-KR" sz="2000" b="1" dirty="0"/>
           </a:p>
@@ -10790,61 +11019,79 @@
           </a:p>
         </p:txBody>
       </p:sp>
-      <p:sp>
-        <p:nvSpPr>
-          <p:cNvPr id="11" name="모서리가 둥근 직사각형 10">
+      <p:pic>
+        <p:nvPicPr>
+          <p:cNvPr id="4" name="그림 3"/>
+          <p:cNvPicPr>
+            <a:picLocks noChangeAspect="1"/>
+          </p:cNvPicPr>
+          <p:nvPr/>
+        </p:nvPicPr>
+        <p:blipFill>
+          <a:blip r:embed="rId2">
             <a:extLst>
-              <a:ext uri="{FF2B5EF4-FFF2-40B4-BE49-F238E27FC236}">
-                <a16:creationId xmlns:a16="http://schemas.microsoft.com/office/drawing/2014/main" xmlns="" id="{792DA8B4-17B2-454B-97AC-17311A4832C5}"/>
+              <a:ext uri="{28A0092B-C50C-407E-A947-70E740481C1C}">
+                <a14:useLocalDpi xmlns:a14="http://schemas.microsoft.com/office/drawing/2010/main" val="0"/>
               </a:ext>
             </a:extLst>
-          </p:cNvPr>
-          <p:cNvSpPr/>
-          <p:nvPr/>
-        </p:nvSpPr>
+          </a:blip>
+          <a:stretch>
+            <a:fillRect/>
+          </a:stretch>
+        </p:blipFill>
         <p:spPr>
           <a:xfrm>
-            <a:off x="4664968" y="3610609"/>
-            <a:ext cx="4591810" cy="297185"/>
+            <a:off x="1144927" y="4509120"/>
+            <a:ext cx="8192210" cy="984673"/>
           </a:xfrm>
-          <a:prstGeom prst="roundRect">
+          <a:prstGeom prst="rect">
             <a:avLst/>
           </a:prstGeom>
-          <a:noFill/>
           <a:ln>
             <a:solidFill>
-              <a:srgbClr val="C00000"/>
+              <a:schemeClr val="bg1">
+                <a:lumMod val="85000"/>
+              </a:schemeClr>
             </a:solidFill>
-            <a:prstDash val="sysDot"/>
           </a:ln>
         </p:spPr>
-        <p:style>
-          <a:lnRef idx="2">
-            <a:schemeClr val="accent2"/>
-          </a:lnRef>
-          <a:fillRef idx="1">
-            <a:schemeClr val="lt1"/>
-          </a:fillRef>
-          <a:effectRef idx="0">
-            <a:schemeClr val="accent2"/>
-          </a:effectRef>
-          <a:fontRef idx="minor">
-            <a:schemeClr val="dk1"/>
-          </a:fontRef>
-        </p:style>
-        <p:txBody>
-          <a:bodyPr rtlCol="0" anchor="ctr"/>
-          <a:lstStyle/>
-          <a:p>
-            <a:pPr algn="ctr"/>
-            <a:endParaRPr lang="ko-KR" altLang="en-US" sz="1300" dirty="0">
-              <a:solidFill>
-                <a:sysClr val="windowText" lastClr="000000"/>
-              </a:solidFill>
-            </a:endParaRPr>
-          </a:p>
-        </p:txBody>
-      </p:sp>
+      </p:pic>
+      <p:pic>
+        <p:nvPicPr>
+          <p:cNvPr id="7" name="그림 6"/>
+          <p:cNvPicPr>
+            <a:picLocks noChangeAspect="1"/>
+          </p:cNvPicPr>
+          <p:nvPr/>
+        </p:nvPicPr>
+        <p:blipFill rotWithShape="1">
+          <a:blip r:embed="rId3">
+            <a:extLst>
+              <a:ext uri="{28A0092B-C50C-407E-A947-70E740481C1C}">
+                <a14:useLocalDpi xmlns:a14="http://schemas.microsoft.com/office/drawing/2010/main" val="0"/>
+              </a:ext>
+            </a:extLst>
+          </a:blip>
+          <a:srcRect r="32911"/>
+          <a:stretch/>
+        </p:blipFill>
+        <p:spPr>
+          <a:xfrm>
+            <a:off x="1586000" y="2652808"/>
+            <a:ext cx="2376264" cy="1016781"/>
+          </a:xfrm>
+          <a:prstGeom prst="rect">
+            <a:avLst/>
+          </a:prstGeom>
+          <a:ln>
+            <a:solidFill>
+              <a:schemeClr val="bg1">
+                <a:lumMod val="85000"/>
+              </a:schemeClr>
+            </a:solidFill>
+          </a:ln>
+        </p:spPr>
+      </p:pic>
     </p:spTree>
     <p:extLst>
       <p:ext uri="{BB962C8B-B14F-4D97-AF65-F5344CB8AC3E}">
@@ -10920,10 +11167,553 @@
       </p:sp>
       <p:sp>
         <p:nvSpPr>
+          <p:cNvPr id="8" name="TextBox 7"/>
+          <p:cNvSpPr txBox="1"/>
+          <p:nvPr/>
+        </p:nvSpPr>
+        <p:spPr>
+          <a:xfrm>
+            <a:off x="1064568" y="1362370"/>
+            <a:ext cx="6192688" cy="369332"/>
+          </a:xfrm>
+          <a:prstGeom prst="rect">
+            <a:avLst/>
+          </a:prstGeom>
+          <a:noFill/>
+        </p:spPr>
+        <p:txBody>
+          <a:bodyPr wrap="square" rtlCol="0">
+            <a:spAutoFit/>
+          </a:bodyPr>
+          <a:lstStyle/>
+          <a:p>
+            <a:r>
+              <a:rPr lang="en-US" altLang="ko-KR" dirty="0" smtClean="0"/>
+              <a:t>2. </a:t>
+            </a:r>
+            <a:r>
+              <a:rPr lang="ko-KR" altLang="en-US" dirty="0" err="1" smtClean="0"/>
+              <a:t>톰캣</a:t>
+            </a:r>
+            <a:r>
+              <a:rPr lang="ko-KR" altLang="en-US" dirty="0" smtClean="0"/>
+              <a:t> </a:t>
+            </a:r>
+            <a:r>
+              <a:rPr lang="en-US" altLang="ko-KR" dirty="0" smtClean="0"/>
+              <a:t>&gt; </a:t>
+            </a:r>
+            <a:r>
+              <a:rPr lang="en-US" altLang="ko-KR" dirty="0" err="1" smtClean="0"/>
+              <a:t>conf</a:t>
+            </a:r>
+            <a:r>
+              <a:rPr lang="en-US" altLang="ko-KR" dirty="0" smtClean="0"/>
+              <a:t> &gt; server.xml </a:t>
+            </a:r>
+            <a:r>
+              <a:rPr lang="ko-KR" altLang="en-US" dirty="0" smtClean="0"/>
+              <a:t>교체</a:t>
+            </a:r>
+            <a:r>
+              <a:rPr lang="en-US" altLang="ko-KR" dirty="0" smtClean="0"/>
+              <a:t>(</a:t>
+            </a:r>
+            <a:r>
+              <a:rPr lang="ko-KR" altLang="en-US" dirty="0" smtClean="0"/>
+              <a:t>덮어쓰기</a:t>
+            </a:r>
+            <a:r>
+              <a:rPr lang="en-US" altLang="ko-KR" dirty="0" smtClean="0"/>
+              <a:t>)</a:t>
+            </a:r>
+            <a:endParaRPr lang="en-US" altLang="ko-KR" dirty="0" smtClean="0"/>
+          </a:p>
+        </p:txBody>
+      </p:sp>
+      <p:grpSp>
+        <p:nvGrpSpPr>
+          <p:cNvPr id="7" name="그룹 6"/>
+          <p:cNvGrpSpPr/>
+          <p:nvPr/>
+        </p:nvGrpSpPr>
+        <p:grpSpPr>
+          <a:xfrm>
+            <a:off x="1928664" y="2060848"/>
+            <a:ext cx="4159762" cy="3238781"/>
+            <a:chOff x="1928664" y="2060848"/>
+            <a:chExt cx="4159762" cy="3238781"/>
+          </a:xfrm>
+        </p:grpSpPr>
+        <p:pic>
+          <p:nvPicPr>
+            <p:cNvPr id="4" name="그림 3"/>
+            <p:cNvPicPr>
+              <a:picLocks noChangeAspect="1"/>
+            </p:cNvPicPr>
+            <p:nvPr/>
+          </p:nvPicPr>
+          <p:blipFill>
+            <a:blip r:embed="rId2">
+              <a:extLst>
+                <a:ext uri="{28A0092B-C50C-407E-A947-70E740481C1C}">
+                  <a14:useLocalDpi xmlns:a14="http://schemas.microsoft.com/office/drawing/2010/main" val="0"/>
+                </a:ext>
+              </a:extLst>
+            </a:blip>
+            <a:stretch>
+              <a:fillRect/>
+            </a:stretch>
+          </p:blipFill>
+          <p:spPr>
+            <a:xfrm>
+              <a:off x="2000672" y="2060848"/>
+              <a:ext cx="3863675" cy="3238781"/>
+            </a:xfrm>
+            <a:prstGeom prst="rect">
+              <a:avLst/>
+            </a:prstGeom>
+            <a:ln>
+              <a:solidFill>
+                <a:schemeClr val="bg1">
+                  <a:lumMod val="85000"/>
+                </a:schemeClr>
+              </a:solidFill>
+            </a:ln>
+          </p:spPr>
+        </p:pic>
+        <p:sp>
+          <p:nvSpPr>
+            <p:cNvPr id="11" name="모서리가 둥근 직사각형 10">
+              <a:extLst>
+                <a:ext uri="{FF2B5EF4-FFF2-40B4-BE49-F238E27FC236}">
+                  <a16:creationId xmlns:a16="http://schemas.microsoft.com/office/drawing/2014/main" id="{792DA8B4-17B2-454B-97AC-17311A4832C5}"/>
+                </a:ext>
+              </a:extLst>
+            </p:cNvPr>
+            <p:cNvSpPr/>
+            <p:nvPr/>
+          </p:nvSpPr>
+          <p:spPr>
+            <a:xfrm>
+              <a:off x="1928664" y="4221088"/>
+              <a:ext cx="4159762" cy="360040"/>
+            </a:xfrm>
+            <a:prstGeom prst="roundRect">
+              <a:avLst/>
+            </a:prstGeom>
+            <a:noFill/>
+            <a:ln>
+              <a:solidFill>
+                <a:srgbClr val="C00000"/>
+              </a:solidFill>
+              <a:prstDash val="sysDot"/>
+            </a:ln>
+          </p:spPr>
+          <p:style>
+            <a:lnRef idx="2">
+              <a:schemeClr val="accent2"/>
+            </a:lnRef>
+            <a:fillRef idx="1">
+              <a:schemeClr val="lt1"/>
+            </a:fillRef>
+            <a:effectRef idx="0">
+              <a:schemeClr val="accent2"/>
+            </a:effectRef>
+            <a:fontRef idx="minor">
+              <a:schemeClr val="dk1"/>
+            </a:fontRef>
+          </p:style>
+          <p:txBody>
+            <a:bodyPr rtlCol="0" anchor="ctr"/>
+            <a:lstStyle/>
+            <a:p>
+              <a:pPr algn="ctr"/>
+              <a:endParaRPr lang="ko-KR" altLang="en-US" sz="1300" dirty="0">
+                <a:solidFill>
+                  <a:sysClr val="windowText" lastClr="000000"/>
+                </a:solidFill>
+              </a:endParaRPr>
+            </a:p>
+          </p:txBody>
+        </p:sp>
+      </p:grpSp>
+    </p:spTree>
+    <p:extLst>
+      <p:ext uri="{BB962C8B-B14F-4D97-AF65-F5344CB8AC3E}">
+        <p14:creationId xmlns:p14="http://schemas.microsoft.com/office/powerpoint/2010/main" val="1653905142"/>
+      </p:ext>
+    </p:extLst>
+  </p:cSld>
+  <p:clrMapOvr>
+    <a:masterClrMapping/>
+  </p:clrMapOvr>
+  <p:timing>
+    <p:tnLst>
+      <p:par>
+        <p:cTn id="1" dur="indefinite" restart="never" nodeType="tmRoot"/>
+      </p:par>
+    </p:tnLst>
+  </p:timing>
+</p:sld>
+</file>
+
+<file path=ppt/slides/slide7.xml><?xml version="1.0" encoding="utf-8"?>
+<p:sld xmlns:a="http://schemas.openxmlformats.org/drawingml/2006/main" xmlns:r="http://schemas.openxmlformats.org/officeDocument/2006/relationships" xmlns:p="http://schemas.openxmlformats.org/presentationml/2006/main">
+  <p:cSld>
+    <p:spTree>
+      <p:nvGrpSpPr>
+        <p:cNvPr id="1" name=""/>
+        <p:cNvGrpSpPr/>
+        <p:nvPr/>
+      </p:nvGrpSpPr>
+      <p:grpSpPr>
+        <a:xfrm>
+          <a:off x="0" y="0"/>
+          <a:ext cx="0" cy="0"/>
+          <a:chOff x="0" y="0"/>
+          <a:chExt cx="0" cy="0"/>
+        </a:xfrm>
+      </p:grpSpPr>
+      <p:sp>
+        <p:nvSpPr>
+          <p:cNvPr id="3" name="제목 2"/>
+          <p:cNvSpPr>
+            <a:spLocks noGrp="1"/>
+          </p:cNvSpPr>
+          <p:nvPr>
+            <p:ph type="title"/>
+          </p:nvPr>
+        </p:nvSpPr>
+        <p:spPr>
+          <a:xfrm>
+            <a:off x="0" y="-18256"/>
+            <a:ext cx="6969224" cy="854968"/>
+          </a:xfrm>
+        </p:spPr>
+        <p:txBody>
+          <a:bodyPr/>
+          <a:lstStyle/>
+          <a:p>
+            <a:r>
+              <a:rPr lang="en-US" altLang="ko-KR" dirty="0" smtClean="0"/>
+              <a:t> </a:t>
+            </a:r>
+            <a:r>
+              <a:rPr lang="ko-KR" altLang="en-US" dirty="0"/>
+              <a:t> </a:t>
+            </a:r>
+            <a:r>
+              <a:rPr lang="ko-KR" altLang="en-US" dirty="0" smtClean="0"/>
+              <a:t>웹 애플리케이션 서비스하기</a:t>
+            </a:r>
+            <a:endParaRPr lang="ko-KR" altLang="en-US" dirty="0"/>
+          </a:p>
+        </p:txBody>
+      </p:sp>
+      <p:sp>
+        <p:nvSpPr>
+          <p:cNvPr id="8" name="TextBox 7"/>
+          <p:cNvSpPr txBox="1"/>
+          <p:nvPr/>
+        </p:nvSpPr>
+        <p:spPr>
+          <a:xfrm>
+            <a:off x="1064568" y="1362370"/>
+            <a:ext cx="7272808" cy="369332"/>
+          </a:xfrm>
+          <a:prstGeom prst="rect">
+            <a:avLst/>
+          </a:prstGeom>
+          <a:noFill/>
+        </p:spPr>
+        <p:txBody>
+          <a:bodyPr wrap="square" rtlCol="0">
+            <a:spAutoFit/>
+          </a:bodyPr>
+          <a:lstStyle/>
+          <a:p>
+            <a:r>
+              <a:rPr lang="en-US" altLang="ko-KR" dirty="0" smtClean="0"/>
+              <a:t>3. </a:t>
+            </a:r>
+            <a:r>
+              <a:rPr lang="ko-KR" altLang="en-US" dirty="0" err="1" smtClean="0"/>
+              <a:t>톰캣</a:t>
+            </a:r>
+            <a:r>
+              <a:rPr lang="ko-KR" altLang="en-US" dirty="0" smtClean="0"/>
+              <a:t> </a:t>
+            </a:r>
+            <a:r>
+              <a:rPr lang="en-US" altLang="ko-KR" dirty="0" smtClean="0"/>
+              <a:t>&gt; </a:t>
+            </a:r>
+            <a:r>
+              <a:rPr lang="en-US" altLang="ko-KR" dirty="0" err="1" smtClean="0"/>
+              <a:t>webapps</a:t>
+            </a:r>
+            <a:r>
+              <a:rPr lang="en-US" altLang="ko-KR" dirty="0" smtClean="0"/>
+              <a:t> &gt; war </a:t>
+            </a:r>
+            <a:r>
+              <a:rPr lang="ko-KR" altLang="en-US" dirty="0" smtClean="0"/>
+              <a:t>파일 저장 </a:t>
+            </a:r>
+            <a:r>
+              <a:rPr lang="en-US" altLang="ko-KR" dirty="0" smtClean="0"/>
+              <a:t>&gt; </a:t>
+            </a:r>
+            <a:r>
+              <a:rPr lang="ko-KR" altLang="en-US" dirty="0" smtClean="0"/>
+              <a:t>실행하면 자동으로 압축 풀림</a:t>
+            </a:r>
+            <a:endParaRPr lang="en-US" altLang="ko-KR" dirty="0" smtClean="0"/>
+          </a:p>
+        </p:txBody>
+      </p:sp>
+      <p:grpSp>
+        <p:nvGrpSpPr>
+          <p:cNvPr id="5" name="그룹 4"/>
+          <p:cNvGrpSpPr/>
+          <p:nvPr/>
+        </p:nvGrpSpPr>
+        <p:grpSpPr>
+          <a:xfrm>
+            <a:off x="2000672" y="2132856"/>
+            <a:ext cx="4231770" cy="2664296"/>
+            <a:chOff x="2000672" y="1988840"/>
+            <a:chExt cx="4231770" cy="2664296"/>
+          </a:xfrm>
+        </p:grpSpPr>
+        <p:pic>
+          <p:nvPicPr>
+            <p:cNvPr id="2" name="그림 1"/>
+            <p:cNvPicPr>
+              <a:picLocks noChangeAspect="1"/>
+            </p:cNvPicPr>
+            <p:nvPr/>
+          </p:nvPicPr>
+          <p:blipFill>
+            <a:blip r:embed="rId2">
+              <a:extLst>
+                <a:ext uri="{28A0092B-C50C-407E-A947-70E740481C1C}">
+                  <a14:useLocalDpi xmlns:a14="http://schemas.microsoft.com/office/drawing/2010/main" val="0"/>
+                </a:ext>
+              </a:extLst>
+            </a:blip>
+            <a:stretch>
+              <a:fillRect/>
+            </a:stretch>
+          </p:blipFill>
+          <p:spPr>
+            <a:xfrm>
+              <a:off x="2000672" y="1988840"/>
+              <a:ext cx="4076694" cy="2664296"/>
+            </a:xfrm>
+            <a:prstGeom prst="rect">
+              <a:avLst/>
+            </a:prstGeom>
+            <a:ln>
+              <a:solidFill>
+                <a:schemeClr val="bg1">
+                  <a:lumMod val="85000"/>
+                </a:schemeClr>
+              </a:solidFill>
+            </a:ln>
+          </p:spPr>
+        </p:pic>
+        <p:sp>
+          <p:nvSpPr>
+            <p:cNvPr id="10" name="모서리가 둥근 직사각형 9">
+              <a:extLst>
+                <a:ext uri="{FF2B5EF4-FFF2-40B4-BE49-F238E27FC236}">
+                  <a16:creationId xmlns:a16="http://schemas.microsoft.com/office/drawing/2014/main" id="{792DA8B4-17B2-454B-97AC-17311A4832C5}"/>
+                </a:ext>
+              </a:extLst>
+            </p:cNvPr>
+            <p:cNvSpPr/>
+            <p:nvPr/>
+          </p:nvSpPr>
+          <p:spPr>
+            <a:xfrm>
+              <a:off x="2072680" y="4149080"/>
+              <a:ext cx="4159762" cy="360040"/>
+            </a:xfrm>
+            <a:prstGeom prst="roundRect">
+              <a:avLst/>
+            </a:prstGeom>
+            <a:noFill/>
+            <a:ln>
+              <a:solidFill>
+                <a:srgbClr val="C00000"/>
+              </a:solidFill>
+              <a:prstDash val="sysDot"/>
+            </a:ln>
+          </p:spPr>
+          <p:style>
+            <a:lnRef idx="2">
+              <a:schemeClr val="accent2"/>
+            </a:lnRef>
+            <a:fillRef idx="1">
+              <a:schemeClr val="lt1"/>
+            </a:fillRef>
+            <a:effectRef idx="0">
+              <a:schemeClr val="accent2"/>
+            </a:effectRef>
+            <a:fontRef idx="minor">
+              <a:schemeClr val="dk1"/>
+            </a:fontRef>
+          </p:style>
+          <p:txBody>
+            <a:bodyPr rtlCol="0" anchor="ctr"/>
+            <a:lstStyle/>
+            <a:p>
+              <a:pPr algn="ctr"/>
+              <a:endParaRPr lang="ko-KR" altLang="en-US" sz="1300" dirty="0">
+                <a:solidFill>
+                  <a:sysClr val="windowText" lastClr="000000"/>
+                </a:solidFill>
+              </a:endParaRPr>
+            </a:p>
+          </p:txBody>
+        </p:sp>
+        <p:sp>
+          <p:nvSpPr>
+            <p:cNvPr id="12" name="모서리가 둥근 직사각형 11">
+              <a:extLst>
+                <a:ext uri="{FF2B5EF4-FFF2-40B4-BE49-F238E27FC236}">
+                  <a16:creationId xmlns:a16="http://schemas.microsoft.com/office/drawing/2014/main" id="{792DA8B4-17B2-454B-97AC-17311A4832C5}"/>
+                </a:ext>
+              </a:extLst>
+            </p:cNvPr>
+            <p:cNvSpPr/>
+            <p:nvPr/>
+          </p:nvSpPr>
+          <p:spPr>
+            <a:xfrm>
+              <a:off x="2047826" y="3604862"/>
+              <a:ext cx="4159762" cy="360040"/>
+            </a:xfrm>
+            <a:prstGeom prst="roundRect">
+              <a:avLst/>
+            </a:prstGeom>
+            <a:noFill/>
+            <a:ln>
+              <a:solidFill>
+                <a:srgbClr val="C00000"/>
+              </a:solidFill>
+              <a:prstDash val="sysDot"/>
+            </a:ln>
+          </p:spPr>
+          <p:style>
+            <a:lnRef idx="2">
+              <a:schemeClr val="accent2"/>
+            </a:lnRef>
+            <a:fillRef idx="1">
+              <a:schemeClr val="lt1"/>
+            </a:fillRef>
+            <a:effectRef idx="0">
+              <a:schemeClr val="accent2"/>
+            </a:effectRef>
+            <a:fontRef idx="minor">
+              <a:schemeClr val="dk1"/>
+            </a:fontRef>
+          </p:style>
+          <p:txBody>
+            <a:bodyPr rtlCol="0" anchor="ctr"/>
+            <a:lstStyle/>
+            <a:p>
+              <a:pPr algn="ctr"/>
+              <a:endParaRPr lang="ko-KR" altLang="en-US" sz="1300" dirty="0">
+                <a:solidFill>
+                  <a:sysClr val="windowText" lastClr="000000"/>
+                </a:solidFill>
+              </a:endParaRPr>
+            </a:p>
+          </p:txBody>
+        </p:sp>
+      </p:grpSp>
+    </p:spTree>
+    <p:extLst>
+      <p:ext uri="{BB962C8B-B14F-4D97-AF65-F5344CB8AC3E}">
+        <p14:creationId xmlns:p14="http://schemas.microsoft.com/office/powerpoint/2010/main" val="3041639567"/>
+      </p:ext>
+    </p:extLst>
+  </p:cSld>
+  <p:clrMapOvr>
+    <a:masterClrMapping/>
+  </p:clrMapOvr>
+  <p:timing>
+    <p:tnLst>
+      <p:par>
+        <p:cTn id="1" dur="indefinite" restart="never" nodeType="tmRoot"/>
+      </p:par>
+    </p:tnLst>
+  </p:timing>
+</p:sld>
+</file>
+
+<file path=ppt/slides/slide8.xml><?xml version="1.0" encoding="utf-8"?>
+<p:sld xmlns:a="http://schemas.openxmlformats.org/drawingml/2006/main" xmlns:r="http://schemas.openxmlformats.org/officeDocument/2006/relationships" xmlns:p="http://schemas.openxmlformats.org/presentationml/2006/main">
+  <p:cSld>
+    <p:spTree>
+      <p:nvGrpSpPr>
+        <p:cNvPr id="1" name=""/>
+        <p:cNvGrpSpPr/>
+        <p:nvPr/>
+      </p:nvGrpSpPr>
+      <p:grpSpPr>
+        <a:xfrm>
+          <a:off x="0" y="0"/>
+          <a:ext cx="0" cy="0"/>
+          <a:chOff x="0" y="0"/>
+          <a:chExt cx="0" cy="0"/>
+        </a:xfrm>
+      </p:grpSpPr>
+      <p:sp>
+        <p:nvSpPr>
+          <p:cNvPr id="3" name="제목 2"/>
+          <p:cNvSpPr>
+            <a:spLocks noGrp="1"/>
+          </p:cNvSpPr>
+          <p:nvPr>
+            <p:ph type="title"/>
+          </p:nvPr>
+        </p:nvSpPr>
+        <p:spPr>
+          <a:xfrm>
+            <a:off x="0" y="-18256"/>
+            <a:ext cx="6969224" cy="854968"/>
+          </a:xfrm>
+        </p:spPr>
+        <p:txBody>
+          <a:bodyPr/>
+          <a:lstStyle/>
+          <a:p>
+            <a:r>
+              <a:rPr lang="en-US" altLang="ko-KR" dirty="0" smtClean="0"/>
+              <a:t> </a:t>
+            </a:r>
+            <a:r>
+              <a:rPr lang="ko-KR" altLang="en-US" dirty="0"/>
+              <a:t> </a:t>
+            </a:r>
+            <a:r>
+              <a:rPr lang="ko-KR" altLang="en-US" dirty="0" smtClean="0"/>
+              <a:t>웹 애플리케이션 서비스하기</a:t>
+            </a:r>
+            <a:endParaRPr lang="ko-KR" altLang="en-US" dirty="0"/>
+          </a:p>
+        </p:txBody>
+      </p:sp>
+      <p:sp>
+        <p:nvSpPr>
           <p:cNvPr id="4" name="내용 개체 틀 2">
             <a:extLst>
               <a:ext uri="{FF2B5EF4-FFF2-40B4-BE49-F238E27FC236}">
-                <a16:creationId xmlns="" xmlns:a16="http://schemas.microsoft.com/office/drawing/2014/main" id="{2BF5621B-67C3-4A25-A1B1-779ADAACC6F7}"/>
+                <a16:creationId xmlns:a16="http://schemas.microsoft.com/office/drawing/2014/main" id="{2BF5621B-67C3-4A25-A1B1-779ADAACC6F7}"/>
               </a:ext>
             </a:extLst>
           </p:cNvPr>
@@ -10934,8 +11724,8 @@
         </p:nvSpPr>
         <p:spPr>
           <a:xfrm>
-            <a:off x="344488" y="980728"/>
-            <a:ext cx="9361040" cy="540060"/>
+            <a:off x="776536" y="1238806"/>
+            <a:ext cx="8784976" cy="540060"/>
           </a:xfrm>
           <a:prstGeom prst="rect">
             <a:avLst/>
@@ -11115,46 +11905,66 @@
               <a:buNone/>
             </a:pPr>
             <a:r>
-              <a:rPr lang="ko-KR" altLang="en-US" sz="2000" b="1" dirty="0"/>
+              <a:rPr lang="ko-KR" altLang="en-US" sz="1800" b="1" dirty="0"/>
               <a:t> </a:t>
             </a:r>
             <a:r>
-              <a:rPr lang="ko-KR" altLang="en-US" sz="2000" b="1" dirty="0" smtClean="0"/>
+              <a:rPr lang="ko-KR" altLang="en-US" sz="1800" b="1" dirty="0" smtClean="0"/>
               <a:t> </a:t>
             </a:r>
             <a:r>
-              <a:rPr lang="en-US" altLang="ko-KR" sz="2000" b="1" dirty="0" smtClean="0"/>
+              <a:rPr lang="en-US" altLang="ko-KR" sz="1800" b="1" dirty="0" smtClean="0"/>
               <a:t>CMD(</a:t>
             </a:r>
             <a:r>
-              <a:rPr lang="ko-KR" altLang="en-US" sz="2000" b="1" dirty="0" smtClean="0"/>
+              <a:rPr lang="ko-KR" altLang="en-US" sz="1800" b="1" dirty="0" smtClean="0"/>
               <a:t>명령프롬프트</a:t>
             </a:r>
             <a:r>
-              <a:rPr lang="en-US" altLang="ko-KR" sz="2000" b="1" dirty="0" smtClean="0"/>
+              <a:rPr lang="en-US" altLang="ko-KR" sz="1800" b="1" dirty="0" smtClean="0"/>
               <a:t>)</a:t>
             </a:r>
             <a:r>
-              <a:rPr lang="ko-KR" altLang="en-US" sz="2000" b="1" dirty="0" smtClean="0"/>
+              <a:rPr lang="ko-KR" altLang="en-US" sz="1800" b="1" dirty="0" smtClean="0"/>
               <a:t>에서 </a:t>
             </a:r>
             <a:r>
-              <a:rPr lang="ko-KR" altLang="en-US" sz="2000" b="1" dirty="0" err="1" smtClean="0"/>
+              <a:rPr lang="ko-KR" altLang="en-US" sz="1800" b="1" dirty="0" err="1" smtClean="0"/>
               <a:t>톰캣</a:t>
             </a:r>
             <a:r>
-              <a:rPr lang="ko-KR" altLang="en-US" sz="2000" b="1" dirty="0" smtClean="0"/>
-              <a:t> 실행 </a:t>
-            </a:r>
-            <a:r>
-              <a:rPr lang="en-US" altLang="ko-KR" sz="2000" b="1" dirty="0" smtClean="0"/>
-              <a:t>-&gt; war </a:t>
-            </a:r>
-            <a:r>
-              <a:rPr lang="ko-KR" altLang="en-US" sz="2000" b="1" dirty="0" smtClean="0"/>
-              <a:t>압축 풀기</a:t>
-            </a:r>
-            <a:endParaRPr lang="en-US" altLang="ko-KR" sz="2000" b="1" dirty="0" smtClean="0"/>
+              <a:rPr lang="ko-KR" altLang="en-US" sz="1800" b="1" dirty="0" smtClean="0"/>
+              <a:t> </a:t>
+            </a:r>
+            <a:r>
+              <a:rPr lang="ko-KR" altLang="en-US" sz="1800" b="1" dirty="0" smtClean="0"/>
+              <a:t>실행 </a:t>
+            </a:r>
+            <a:r>
+              <a:rPr lang="en-US" altLang="ko-KR" sz="1800" b="1" dirty="0" smtClean="0"/>
+              <a:t>&gt; </a:t>
+            </a:r>
+            <a:r>
+              <a:rPr lang="en-US" altLang="ko-KR" sz="1800" b="1" dirty="0" smtClean="0"/>
+              <a:t>bin &gt; startup.bat </a:t>
+            </a:r>
+            <a:r>
+              <a:rPr lang="ko-KR" altLang="en-US" sz="1800" b="1" dirty="0" smtClean="0"/>
+              <a:t>실행 </a:t>
+            </a:r>
+            <a:r>
+              <a:rPr lang="en-US" altLang="ko-KR" sz="1800" b="1" dirty="0" smtClean="0"/>
+              <a:t>&gt;shutdown </a:t>
+            </a:r>
+            <a:r>
+              <a:rPr lang="ko-KR" altLang="en-US" sz="1800" b="1" dirty="0" smtClean="0"/>
+              <a:t>중지</a:t>
+            </a:r>
+            <a:r>
+              <a:rPr lang="en-US" altLang="ko-KR" sz="1800" b="1" dirty="0" smtClean="0"/>
+              <a:t> </a:t>
+            </a:r>
+            <a:endParaRPr lang="en-US" altLang="ko-KR" sz="1800" b="1" dirty="0" smtClean="0"/>
           </a:p>
         </p:txBody>
       </p:sp>
@@ -11200,7 +12010,7 @@
           <p:cNvPr id="6" name="모서리가 둥근 직사각형 5">
             <a:extLst>
               <a:ext uri="{FF2B5EF4-FFF2-40B4-BE49-F238E27FC236}">
-                <a16:creationId xmlns:a16="http://schemas.microsoft.com/office/drawing/2014/main" xmlns="" id="{792DA8B4-17B2-454B-97AC-17311A4832C5}"/>
+                <a16:creationId xmlns:a16="http://schemas.microsoft.com/office/drawing/2014/main" id="{792DA8B4-17B2-454B-97AC-17311A4832C5}"/>
               </a:ext>
             </a:extLst>
           </p:cNvPr>
@@ -11252,7 +12062,7 @@
       </p:sp>
       <p:pic>
         <p:nvPicPr>
-          <p:cNvPr id="8" name="그림 7"/>
+          <p:cNvPr id="5" name="그림 4"/>
           <p:cNvPicPr>
             <a:picLocks noChangeAspect="1"/>
           </p:cNvPicPr>
@@ -11272,8 +12082,8 @@
         </p:blipFill>
         <p:spPr>
           <a:xfrm>
-            <a:off x="1136576" y="3610947"/>
-            <a:ext cx="7506351" cy="2194750"/>
+            <a:off x="1136576" y="3884476"/>
+            <a:ext cx="8207451" cy="2415749"/>
           </a:xfrm>
           <a:prstGeom prst="rect">
             <a:avLst/>
@@ -11296,7 +12106,7 @@
         <p:spPr>
           <a:xfrm>
             <a:off x="3188804" y="3137586"/>
-            <a:ext cx="1332148" cy="1083502"/>
+            <a:ext cx="861781" cy="704360"/>
           </a:xfrm>
           <a:prstGeom prst="straightConnector1">
             <a:avLst/>
@@ -11342,7 +12152,7 @@
 </p:sld>
 </file>
 
-<file path=ppt/slides/slide7.xml><?xml version="1.0" encoding="utf-8"?>
+<file path=ppt/slides/slide9.xml><?xml version="1.0" encoding="utf-8"?>
 <p:sld xmlns:a="http://schemas.openxmlformats.org/drawingml/2006/main" xmlns:r="http://schemas.openxmlformats.org/officeDocument/2006/relationships" xmlns:p="http://schemas.openxmlformats.org/presentationml/2006/main">
   <p:cSld>
     <p:spTree>
@@ -11437,7 +12247,7 @@
           <p:cNvPr id="4" name="내용 개체 틀 2">
             <a:extLst>
               <a:ext uri="{FF2B5EF4-FFF2-40B4-BE49-F238E27FC236}">
-                <a16:creationId xmlns="" xmlns:a16="http://schemas.microsoft.com/office/drawing/2014/main" id="{2BF5621B-67C3-4A25-A1B1-779ADAACC6F7}"/>
+                <a16:creationId xmlns:a16="http://schemas.microsoft.com/office/drawing/2014/main" id="{2BF5621B-67C3-4A25-A1B1-779ADAACC6F7}"/>
               </a:ext>
             </a:extLst>
           </p:cNvPr>
@@ -11677,7 +12487,7 @@
           <p:cNvPr id="11" name="타원 10">
             <a:extLst>
               <a:ext uri="{FF2B5EF4-FFF2-40B4-BE49-F238E27FC236}">
-                <a16:creationId xmlns:a16="http://schemas.microsoft.com/office/drawing/2014/main" xmlns="" id="{792DA8B4-17B2-454B-97AC-17311A4832C5}"/>
+                <a16:creationId xmlns:a16="http://schemas.microsoft.com/office/drawing/2014/main" id="{792DA8B4-17B2-454B-97AC-17311A4832C5}"/>
               </a:ext>
             </a:extLst>
           </p:cNvPr>
@@ -11732,7 +12542,7 @@
           <p:cNvPr id="12" name="모서리가 둥근 직사각형 11">
             <a:extLst>
               <a:ext uri="{FF2B5EF4-FFF2-40B4-BE49-F238E27FC236}">
-                <a16:creationId xmlns:a16="http://schemas.microsoft.com/office/drawing/2014/main" xmlns="" id="{792DA8B4-17B2-454B-97AC-17311A4832C5}"/>
+                <a16:creationId xmlns:a16="http://schemas.microsoft.com/office/drawing/2014/main" id="{792DA8B4-17B2-454B-97AC-17311A4832C5}"/>
               </a:ext>
             </a:extLst>
           </p:cNvPr>
@@ -11833,332 +12643,6 @@
     <p:extLst>
       <p:ext uri="{BB962C8B-B14F-4D97-AF65-F5344CB8AC3E}">
         <p14:creationId xmlns:p14="http://schemas.microsoft.com/office/powerpoint/2010/main" val="3945503571"/>
-      </p:ext>
-    </p:extLst>
-  </p:cSld>
-  <p:clrMapOvr>
-    <a:masterClrMapping/>
-  </p:clrMapOvr>
-  <p:timing>
-    <p:tnLst>
-      <p:par>
-        <p:cTn id="1" dur="indefinite" restart="never" nodeType="tmRoot"/>
-      </p:par>
-    </p:tnLst>
-  </p:timing>
-</p:sld>
-</file>
-
-<file path=ppt/slides/slide8.xml><?xml version="1.0" encoding="utf-8"?>
-<p:sld xmlns:a="http://schemas.openxmlformats.org/drawingml/2006/main" xmlns:r="http://schemas.openxmlformats.org/officeDocument/2006/relationships" xmlns:p="http://schemas.openxmlformats.org/presentationml/2006/main">
-  <p:cSld>
-    <p:spTree>
-      <p:nvGrpSpPr>
-        <p:cNvPr id="1" name=""/>
-        <p:cNvGrpSpPr/>
-        <p:nvPr/>
-      </p:nvGrpSpPr>
-      <p:grpSpPr>
-        <a:xfrm>
-          <a:off x="0" y="0"/>
-          <a:ext cx="0" cy="0"/>
-          <a:chOff x="0" y="0"/>
-          <a:chExt cx="0" cy="0"/>
-        </a:xfrm>
-      </p:grpSpPr>
-      <p:sp>
-        <p:nvSpPr>
-          <p:cNvPr id="3" name="제목 2"/>
-          <p:cNvSpPr>
-            <a:spLocks noGrp="1"/>
-          </p:cNvSpPr>
-          <p:nvPr>
-            <p:ph type="title"/>
-          </p:nvPr>
-        </p:nvSpPr>
-        <p:spPr>
-          <a:xfrm>
-            <a:off x="0" y="-18256"/>
-            <a:ext cx="6969224" cy="854968"/>
-          </a:xfrm>
-        </p:spPr>
-        <p:txBody>
-          <a:bodyPr/>
-          <a:lstStyle/>
-          <a:p>
-            <a:r>
-              <a:rPr lang="en-US" altLang="ko-KR" dirty="0" smtClean="0"/>
-              <a:t> </a:t>
-            </a:r>
-            <a:r>
-              <a:rPr lang="ko-KR" altLang="en-US" dirty="0"/>
-              <a:t> </a:t>
-            </a:r>
-            <a:r>
-              <a:rPr lang="ko-KR" altLang="en-US" dirty="0" smtClean="0"/>
-              <a:t>웹 애플리케이션 서비스하기</a:t>
-            </a:r>
-            <a:endParaRPr lang="ko-KR" altLang="en-US" dirty="0"/>
-          </a:p>
-        </p:txBody>
-      </p:sp>
-      <p:sp>
-        <p:nvSpPr>
-          <p:cNvPr id="4" name="내용 개체 틀 2">
-            <a:extLst>
-              <a:ext uri="{FF2B5EF4-FFF2-40B4-BE49-F238E27FC236}">
-                <a16:creationId xmlns="" xmlns:a16="http://schemas.microsoft.com/office/drawing/2014/main" id="{2BF5621B-67C3-4A25-A1B1-779ADAACC6F7}"/>
-              </a:ext>
-            </a:extLst>
-          </p:cNvPr>
-          <p:cNvSpPr txBox="1">
-            <a:spLocks/>
-          </p:cNvSpPr>
-          <p:nvPr/>
-        </p:nvSpPr>
-        <p:spPr>
-          <a:xfrm>
-            <a:off x="632520" y="1088740"/>
-            <a:ext cx="6048672" cy="540060"/>
-          </a:xfrm>
-          <a:prstGeom prst="rect">
-            <a:avLst/>
-          </a:prstGeom>
-        </p:spPr>
-        <p:txBody>
-          <a:bodyPr/>
-          <a:lstStyle>
-            <a:lvl1pPr marL="228600" indent="-228600" algn="l" defTabSz="914400" rtl="0" eaLnBrk="1" latinLnBrk="1" hangingPunct="1">
-              <a:lnSpc>
-                <a:spcPct val="90000"/>
-              </a:lnSpc>
-              <a:spcBef>
-                <a:spcPts val="1000"/>
-              </a:spcBef>
-              <a:buFont typeface="Arial" panose="020B0604020202020204" pitchFamily="34" charset="0"/>
-              <a:buChar char="•"/>
-              <a:defRPr sz="2800" kern="1200">
-                <a:solidFill>
-                  <a:schemeClr val="tx1"/>
-                </a:solidFill>
-                <a:latin typeface="+mn-lt"/>
-                <a:ea typeface="+mn-ea"/>
-                <a:cs typeface="+mn-cs"/>
-              </a:defRPr>
-            </a:lvl1pPr>
-            <a:lvl2pPr marL="685800" indent="-228600" algn="l" defTabSz="914400" rtl="0" eaLnBrk="1" latinLnBrk="1" hangingPunct="1">
-              <a:lnSpc>
-                <a:spcPct val="90000"/>
-              </a:lnSpc>
-              <a:spcBef>
-                <a:spcPts val="500"/>
-              </a:spcBef>
-              <a:buFont typeface="Arial" panose="020B0604020202020204" pitchFamily="34" charset="0"/>
-              <a:buChar char="•"/>
-              <a:defRPr sz="2400" kern="1200">
-                <a:solidFill>
-                  <a:schemeClr val="tx1"/>
-                </a:solidFill>
-                <a:latin typeface="+mn-lt"/>
-                <a:ea typeface="+mn-ea"/>
-                <a:cs typeface="+mn-cs"/>
-              </a:defRPr>
-            </a:lvl2pPr>
-            <a:lvl3pPr marL="1143000" indent="-228600" algn="l" defTabSz="914400" rtl="0" eaLnBrk="1" latinLnBrk="1" hangingPunct="1">
-              <a:lnSpc>
-                <a:spcPct val="90000"/>
-              </a:lnSpc>
-              <a:spcBef>
-                <a:spcPts val="500"/>
-              </a:spcBef>
-              <a:buFont typeface="Arial" panose="020B0604020202020204" pitchFamily="34" charset="0"/>
-              <a:buChar char="•"/>
-              <a:defRPr sz="2000" kern="1200">
-                <a:solidFill>
-                  <a:schemeClr val="tx1"/>
-                </a:solidFill>
-                <a:latin typeface="+mn-lt"/>
-                <a:ea typeface="+mn-ea"/>
-                <a:cs typeface="+mn-cs"/>
-              </a:defRPr>
-            </a:lvl3pPr>
-            <a:lvl4pPr marL="1600200" indent="-228600" algn="l" defTabSz="914400" rtl="0" eaLnBrk="1" latinLnBrk="1" hangingPunct="1">
-              <a:lnSpc>
-                <a:spcPct val="90000"/>
-              </a:lnSpc>
-              <a:spcBef>
-                <a:spcPts val="500"/>
-              </a:spcBef>
-              <a:buFont typeface="Arial" panose="020B0604020202020204" pitchFamily="34" charset="0"/>
-              <a:buChar char="•"/>
-              <a:defRPr sz="1800" kern="1200">
-                <a:solidFill>
-                  <a:schemeClr val="tx1"/>
-                </a:solidFill>
-                <a:latin typeface="+mn-lt"/>
-                <a:ea typeface="+mn-ea"/>
-                <a:cs typeface="+mn-cs"/>
-              </a:defRPr>
-            </a:lvl4pPr>
-            <a:lvl5pPr marL="2057400" indent="-228600" algn="l" defTabSz="914400" rtl="0" eaLnBrk="1" latinLnBrk="1" hangingPunct="1">
-              <a:lnSpc>
-                <a:spcPct val="90000"/>
-              </a:lnSpc>
-              <a:spcBef>
-                <a:spcPts val="500"/>
-              </a:spcBef>
-              <a:buFont typeface="Arial" panose="020B0604020202020204" pitchFamily="34" charset="0"/>
-              <a:buChar char="•"/>
-              <a:defRPr sz="1800" kern="1200">
-                <a:solidFill>
-                  <a:schemeClr val="tx1"/>
-                </a:solidFill>
-                <a:latin typeface="+mn-lt"/>
-                <a:ea typeface="+mn-ea"/>
-                <a:cs typeface="+mn-cs"/>
-              </a:defRPr>
-            </a:lvl5pPr>
-            <a:lvl6pPr marL="2514600" indent="-228600" algn="l" defTabSz="914400" rtl="0" eaLnBrk="1" latinLnBrk="1" hangingPunct="1">
-              <a:lnSpc>
-                <a:spcPct val="90000"/>
-              </a:lnSpc>
-              <a:spcBef>
-                <a:spcPts val="500"/>
-              </a:spcBef>
-              <a:buFont typeface="Arial" panose="020B0604020202020204" pitchFamily="34" charset="0"/>
-              <a:buChar char="•"/>
-              <a:defRPr sz="1800" kern="1200">
-                <a:solidFill>
-                  <a:schemeClr val="tx1"/>
-                </a:solidFill>
-                <a:latin typeface="+mn-lt"/>
-                <a:ea typeface="+mn-ea"/>
-                <a:cs typeface="+mn-cs"/>
-              </a:defRPr>
-            </a:lvl6pPr>
-            <a:lvl7pPr marL="2971800" indent="-228600" algn="l" defTabSz="914400" rtl="0" eaLnBrk="1" latinLnBrk="1" hangingPunct="1">
-              <a:lnSpc>
-                <a:spcPct val="90000"/>
-              </a:lnSpc>
-              <a:spcBef>
-                <a:spcPts val="500"/>
-              </a:spcBef>
-              <a:buFont typeface="Arial" panose="020B0604020202020204" pitchFamily="34" charset="0"/>
-              <a:buChar char="•"/>
-              <a:defRPr sz="1800" kern="1200">
-                <a:solidFill>
-                  <a:schemeClr val="tx1"/>
-                </a:solidFill>
-                <a:latin typeface="+mn-lt"/>
-                <a:ea typeface="+mn-ea"/>
-                <a:cs typeface="+mn-cs"/>
-              </a:defRPr>
-            </a:lvl7pPr>
-            <a:lvl8pPr marL="3429000" indent="-228600" algn="l" defTabSz="914400" rtl="0" eaLnBrk="1" latinLnBrk="1" hangingPunct="1">
-              <a:lnSpc>
-                <a:spcPct val="90000"/>
-              </a:lnSpc>
-              <a:spcBef>
-                <a:spcPts val="500"/>
-              </a:spcBef>
-              <a:buFont typeface="Arial" panose="020B0604020202020204" pitchFamily="34" charset="0"/>
-              <a:buChar char="•"/>
-              <a:defRPr sz="1800" kern="1200">
-                <a:solidFill>
-                  <a:schemeClr val="tx1"/>
-                </a:solidFill>
-                <a:latin typeface="+mn-lt"/>
-                <a:ea typeface="+mn-ea"/>
-                <a:cs typeface="+mn-cs"/>
-              </a:defRPr>
-            </a:lvl8pPr>
-            <a:lvl9pPr marL="3886200" indent="-228600" algn="l" defTabSz="914400" rtl="0" eaLnBrk="1" latinLnBrk="1" hangingPunct="1">
-              <a:lnSpc>
-                <a:spcPct val="90000"/>
-              </a:lnSpc>
-              <a:spcBef>
-                <a:spcPts val="500"/>
-              </a:spcBef>
-              <a:buFont typeface="Arial" panose="020B0604020202020204" pitchFamily="34" charset="0"/>
-              <a:buChar char="•"/>
-              <a:defRPr sz="1800" kern="1200">
-                <a:solidFill>
-                  <a:schemeClr val="tx1"/>
-                </a:solidFill>
-                <a:latin typeface="+mn-lt"/>
-                <a:ea typeface="+mn-ea"/>
-                <a:cs typeface="+mn-cs"/>
-              </a:defRPr>
-            </a:lvl9pPr>
-          </a:lstStyle>
-          <a:p>
-            <a:pPr marL="0" indent="0">
-              <a:lnSpc>
-                <a:spcPct val="150000"/>
-              </a:lnSpc>
-              <a:buNone/>
-            </a:pPr>
-            <a:r>
-              <a:rPr lang="ko-KR" altLang="en-US" sz="2000" b="1" dirty="0" smtClean="0"/>
-              <a:t> 웹 브라우저에 </a:t>
-            </a:r>
-            <a:r>
-              <a:rPr lang="ko-KR" altLang="en-US" sz="2000" b="1" dirty="0" smtClean="0"/>
-              <a:t>요청 </a:t>
-            </a:r>
-            <a:r>
-              <a:rPr lang="en-US" altLang="ko-KR" sz="2000" b="1" dirty="0" smtClean="0"/>
-              <a:t>– </a:t>
-            </a:r>
-            <a:r>
-              <a:rPr lang="en-US" altLang="ko-KR" sz="2000" b="1" dirty="0" smtClean="0"/>
-              <a:t>localhost:8080</a:t>
-            </a:r>
-            <a:endParaRPr lang="en-US" altLang="ko-KR" sz="2000" b="1" dirty="0" smtClean="0"/>
-          </a:p>
-        </p:txBody>
-      </p:sp>
-      <p:pic>
-        <p:nvPicPr>
-          <p:cNvPr id="2" name="그림 1"/>
-          <p:cNvPicPr>
-            <a:picLocks noChangeAspect="1"/>
-          </p:cNvPicPr>
-          <p:nvPr/>
-        </p:nvPicPr>
-        <p:blipFill>
-          <a:blip r:embed="rId2">
-            <a:extLst>
-              <a:ext uri="{28A0092B-C50C-407E-A947-70E740481C1C}">
-                <a14:useLocalDpi xmlns:a14="http://schemas.microsoft.com/office/drawing/2010/main" val="0"/>
-              </a:ext>
-            </a:extLst>
-          </a:blip>
-          <a:stretch>
-            <a:fillRect/>
-          </a:stretch>
-        </p:blipFill>
-        <p:spPr>
-          <a:xfrm>
-            <a:off x="1568624" y="1916832"/>
-            <a:ext cx="6048672" cy="3913847"/>
-          </a:xfrm>
-          <a:prstGeom prst="rect">
-            <a:avLst/>
-          </a:prstGeom>
-          <a:ln>
-            <a:solidFill>
-              <a:schemeClr val="bg1">
-                <a:lumMod val="85000"/>
-              </a:schemeClr>
-            </a:solidFill>
-          </a:ln>
-        </p:spPr>
-      </p:pic>
-    </p:spTree>
-    <p:extLst>
-      <p:ext uri="{BB962C8B-B14F-4D97-AF65-F5344CB8AC3E}">
-        <p14:creationId xmlns:p14="http://schemas.microsoft.com/office/powerpoint/2010/main" val="1133202773"/>
       </p:ext>
     </p:extLst>
   </p:cSld>
